--- a/在你寶座前(崇拜版).pptx
+++ b/在你寶座前(崇拜版).pptx
@@ -2,20 +2,20 @@
 <file path=ppt/presentation.xml><?xml version="1.0" encoding="utf-8"?>
 <p:presentation xmlns:a="http://schemas.openxmlformats.org/drawingml/2006/main" xmlns:r="http://schemas.openxmlformats.org/officeDocument/2006/relationships" xmlns:p="http://schemas.openxmlformats.org/presentationml/2006/main" saveSubsetFonts="1">
   <p:sldMasterIdLst>
-    <p:sldMasterId id="2147483660" r:id="rId1"/>
+    <p:sldMasterId id="2147483672" r:id="rId1"/>
   </p:sldMasterIdLst>
   <p:sldIdLst>
-    <p:sldId id="257" r:id="rId2"/>
-    <p:sldId id="258" r:id="rId3"/>
-    <p:sldId id="259" r:id="rId4"/>
-    <p:sldId id="260" r:id="rId5"/>
-    <p:sldId id="261" r:id="rId6"/>
-    <p:sldId id="262" r:id="rId7"/>
-    <p:sldId id="263" r:id="rId8"/>
-    <p:sldId id="264" r:id="rId9"/>
-    <p:sldId id="265" r:id="rId10"/>
+    <p:sldId id="261" r:id="rId2"/>
+    <p:sldId id="262" r:id="rId3"/>
+    <p:sldId id="263" r:id="rId4"/>
+    <p:sldId id="264" r:id="rId5"/>
+    <p:sldId id="265" r:id="rId6"/>
+    <p:sldId id="266" r:id="rId7"/>
+    <p:sldId id="267" r:id="rId8"/>
+    <p:sldId id="268" r:id="rId9"/>
+    <p:sldId id="269" r:id="rId10"/>
   </p:sldIdLst>
-  <p:sldSz cx="9144000" cy="6858000" type="screen4x3"/>
+  <p:sldSz cx="12192000" cy="6858000"/>
   <p:notesSz cx="6858000" cy="9144000"/>
   <p:defaultTextStyle>
     <a:defPPr>
@@ -112,6 +112,22 @@
       </a:defRPr>
     </a:lvl9pPr>
   </p:defaultTextStyle>
+  <p:extLst>
+    <p:ext uri="{EFAFB233-063F-42B5-8137-9DF3F51BA10A}">
+      <p15:sldGuideLst xmlns:p15="http://schemas.microsoft.com/office/powerpoint/2012/main">
+        <p15:guide id="1" orient="horz" pos="2160" userDrawn="1">
+          <p15:clr>
+            <a:srgbClr val="A4A3A4"/>
+          </p15:clr>
+        </p15:guide>
+        <p15:guide id="2" pos="3840" userDrawn="1">
+          <p15:clr>
+            <a:srgbClr val="A4A3A4"/>
+          </p15:clr>
+        </p15:guide>
+      </p15:sldGuideLst>
+    </p:ext>
+  </p:extLst>
 </p:presentation>
 </file>
 
@@ -144,8 +160,8 @@
         </p:nvSpPr>
         <p:spPr>
           <a:xfrm>
-            <a:off x="685800" y="2130425"/>
-            <a:ext cx="7772400" cy="1470025"/>
+            <a:off x="914400" y="2130428"/>
+            <a:ext cx="10363200" cy="1470025"/>
           </a:xfrm>
         </p:spPr>
         <p:txBody>
@@ -153,8 +169,8 @@
           <a:lstStyle/>
           <a:p>
             <a:r>
-              <a:rPr lang="zh-TW" altLang="en-US" smtClean="0"/>
-              <a:t>按一下以編輯母片標題樣式</a:t>
+              <a:rPr lang="en-US" altLang="zh-TW" smtClean="0"/>
+              <a:t>Click to edit Master title style</a:t>
             </a:r>
             <a:endParaRPr lang="zh-TW" altLang="en-US"/>
           </a:p>
@@ -172,8 +188,8 @@
         </p:nvSpPr>
         <p:spPr>
           <a:xfrm>
-            <a:off x="1371600" y="3886200"/>
-            <a:ext cx="6400800" cy="1752600"/>
+            <a:off x="1828800" y="3886200"/>
+            <a:ext cx="8534400" cy="1752600"/>
           </a:xfrm>
         </p:spPr>
         <p:txBody>
@@ -189,7 +205,7 @@
                 </a:solidFill>
               </a:defRPr>
             </a:lvl1pPr>
-            <a:lvl2pPr marL="457200" indent="0" algn="ctr">
+            <a:lvl2pPr marL="457189" indent="0" algn="ctr">
               <a:buNone/>
               <a:defRPr>
                 <a:solidFill>
@@ -199,7 +215,7 @@
                 </a:solidFill>
               </a:defRPr>
             </a:lvl2pPr>
-            <a:lvl3pPr marL="914400" indent="0" algn="ctr">
+            <a:lvl3pPr marL="914378" indent="0" algn="ctr">
               <a:buNone/>
               <a:defRPr>
                 <a:solidFill>
@@ -209,7 +225,7 @@
                 </a:solidFill>
               </a:defRPr>
             </a:lvl3pPr>
-            <a:lvl4pPr marL="1371600" indent="0" algn="ctr">
+            <a:lvl4pPr marL="1371566" indent="0" algn="ctr">
               <a:buNone/>
               <a:defRPr>
                 <a:solidFill>
@@ -219,7 +235,7 @@
                 </a:solidFill>
               </a:defRPr>
             </a:lvl4pPr>
-            <a:lvl5pPr marL="1828800" indent="0" algn="ctr">
+            <a:lvl5pPr marL="1828754" indent="0" algn="ctr">
               <a:buNone/>
               <a:defRPr>
                 <a:solidFill>
@@ -229,7 +245,7 @@
                 </a:solidFill>
               </a:defRPr>
             </a:lvl5pPr>
-            <a:lvl6pPr marL="2286000" indent="0" algn="ctr">
+            <a:lvl6pPr marL="2285943" indent="0" algn="ctr">
               <a:buNone/>
               <a:defRPr>
                 <a:solidFill>
@@ -239,7 +255,7 @@
                 </a:solidFill>
               </a:defRPr>
             </a:lvl6pPr>
-            <a:lvl7pPr marL="2743200" indent="0" algn="ctr">
+            <a:lvl7pPr marL="2743132" indent="0" algn="ctr">
               <a:buNone/>
               <a:defRPr>
                 <a:solidFill>
@@ -249,7 +265,7 @@
                 </a:solidFill>
               </a:defRPr>
             </a:lvl7pPr>
-            <a:lvl8pPr marL="3200400" indent="0" algn="ctr">
+            <a:lvl8pPr marL="3200320" indent="0" algn="ctr">
               <a:buNone/>
               <a:defRPr>
                 <a:solidFill>
@@ -259,7 +275,7 @@
                 </a:solidFill>
               </a:defRPr>
             </a:lvl8pPr>
-            <a:lvl9pPr marL="3657600" indent="0" algn="ctr">
+            <a:lvl9pPr marL="3657509" indent="0" algn="ctr">
               <a:buNone/>
               <a:defRPr>
                 <a:solidFill>
@@ -272,8 +288,8 @@
           </a:lstStyle>
           <a:p>
             <a:r>
-              <a:rPr lang="zh-TW" altLang="en-US" smtClean="0"/>
-              <a:t>按一下以編輯母片副標題樣式</a:t>
+              <a:rPr lang="en-US" altLang="zh-TW" smtClean="0"/>
+              <a:t>Click to edit Master subtitle style</a:t>
             </a:r>
             <a:endParaRPr lang="zh-TW" altLang="en-US"/>
           </a:p>
@@ -297,7 +313,7 @@
             <a:fld id="{5EB9643F-852B-4059-9F2F-1212C809C47E}" type="datetimeFigureOut">
               <a:rPr lang="zh-TW" altLang="en-US" smtClean="0"/>
               <a:pPr/>
-              <a:t>2018/12/11</a:t>
+              <a:t>2020/10/16</a:t>
             </a:fld>
             <a:endParaRPr lang="zh-TW" altLang="en-US"/>
           </a:p>
@@ -347,6 +363,11 @@
         </p:txBody>
       </p:sp>
     </p:spTree>
+    <p:extLst>
+      <p:ext uri="{BB962C8B-B14F-4D97-AF65-F5344CB8AC3E}">
+        <p14:creationId xmlns:p14="http://schemas.microsoft.com/office/powerpoint/2010/main" val="2111004480"/>
+      </p:ext>
+    </p:extLst>
   </p:cSld>
   <p:clrMapOvr>
     <a:masterClrMapping/>
@@ -387,8 +408,8 @@
           <a:lstStyle/>
           <a:p>
             <a:r>
-              <a:rPr lang="zh-TW" altLang="en-US" smtClean="0"/>
-              <a:t>按一下以編輯母片標題樣式</a:t>
+              <a:rPr lang="en-US" altLang="zh-TW" smtClean="0"/>
+              <a:t>Click to edit Master title style</a:t>
             </a:r>
             <a:endParaRPr lang="zh-TW" altLang="en-US"/>
           </a:p>
@@ -411,36 +432,36 @@
           <a:p>
             <a:pPr lvl="0"/>
             <a:r>
-              <a:rPr lang="zh-TW" altLang="en-US" smtClean="0"/>
-              <a:t>按一下以編輯母片文字樣式</a:t>
+              <a:rPr lang="en-US" altLang="zh-TW" smtClean="0"/>
+              <a:t>Edit Master text styles</a:t>
             </a:r>
           </a:p>
           <a:p>
             <a:pPr lvl="1"/>
             <a:r>
-              <a:rPr lang="zh-TW" altLang="en-US" smtClean="0"/>
-              <a:t>第二層</a:t>
+              <a:rPr lang="en-US" altLang="zh-TW" smtClean="0"/>
+              <a:t>Second level</a:t>
             </a:r>
           </a:p>
           <a:p>
             <a:pPr lvl="2"/>
             <a:r>
-              <a:rPr lang="zh-TW" altLang="en-US" smtClean="0"/>
-              <a:t>第三層</a:t>
+              <a:rPr lang="en-US" altLang="zh-TW" smtClean="0"/>
+              <a:t>Third level</a:t>
             </a:r>
           </a:p>
           <a:p>
             <a:pPr lvl="3"/>
             <a:r>
-              <a:rPr lang="zh-TW" altLang="en-US" smtClean="0"/>
-              <a:t>第四層</a:t>
+              <a:rPr lang="en-US" altLang="zh-TW" smtClean="0"/>
+              <a:t>Fourth level</a:t>
             </a:r>
           </a:p>
           <a:p>
             <a:pPr lvl="4"/>
             <a:r>
-              <a:rPr lang="zh-TW" altLang="en-US" smtClean="0"/>
-              <a:t>第五層</a:t>
+              <a:rPr lang="en-US" altLang="zh-TW" smtClean="0"/>
+              <a:t>Fifth level</a:t>
             </a:r>
             <a:endParaRPr lang="zh-TW" altLang="en-US"/>
           </a:p>
@@ -464,7 +485,7 @@
             <a:fld id="{5EB9643F-852B-4059-9F2F-1212C809C47E}" type="datetimeFigureOut">
               <a:rPr lang="zh-TW" altLang="en-US" smtClean="0"/>
               <a:pPr/>
-              <a:t>2018/12/11</a:t>
+              <a:t>2020/10/16</a:t>
             </a:fld>
             <a:endParaRPr lang="zh-TW" altLang="en-US"/>
           </a:p>
@@ -514,6 +535,11 @@
         </p:txBody>
       </p:sp>
     </p:spTree>
+    <p:extLst>
+      <p:ext uri="{BB962C8B-B14F-4D97-AF65-F5344CB8AC3E}">
+        <p14:creationId xmlns:p14="http://schemas.microsoft.com/office/powerpoint/2010/main" val="3231157077"/>
+      </p:ext>
+    </p:extLst>
   </p:cSld>
   <p:clrMapOvr>
     <a:masterClrMapping/>
@@ -550,8 +576,8 @@
         </p:nvSpPr>
         <p:spPr>
           <a:xfrm>
-            <a:off x="6629400" y="274638"/>
-            <a:ext cx="2057400" cy="5851525"/>
+            <a:off x="8839200" y="274641"/>
+            <a:ext cx="2743200" cy="5851525"/>
           </a:xfrm>
         </p:spPr>
         <p:txBody>
@@ -559,8 +585,8 @@
           <a:lstStyle/>
           <a:p>
             <a:r>
-              <a:rPr lang="zh-TW" altLang="en-US" smtClean="0"/>
-              <a:t>按一下以編輯母片標題樣式</a:t>
+              <a:rPr lang="en-US" altLang="zh-TW" smtClean="0"/>
+              <a:t>Click to edit Master title style</a:t>
             </a:r>
             <a:endParaRPr lang="zh-TW" altLang="en-US"/>
           </a:p>
@@ -578,8 +604,8 @@
         </p:nvSpPr>
         <p:spPr>
           <a:xfrm>
-            <a:off x="457200" y="274638"/>
-            <a:ext cx="6019800" cy="5851525"/>
+            <a:off x="609600" y="274641"/>
+            <a:ext cx="8026400" cy="5851525"/>
           </a:xfrm>
         </p:spPr>
         <p:txBody>
@@ -588,36 +614,36 @@
           <a:p>
             <a:pPr lvl="0"/>
             <a:r>
-              <a:rPr lang="zh-TW" altLang="en-US" smtClean="0"/>
-              <a:t>按一下以編輯母片文字樣式</a:t>
+              <a:rPr lang="en-US" altLang="zh-TW" smtClean="0"/>
+              <a:t>Edit Master text styles</a:t>
             </a:r>
           </a:p>
           <a:p>
             <a:pPr lvl="1"/>
             <a:r>
-              <a:rPr lang="zh-TW" altLang="en-US" smtClean="0"/>
-              <a:t>第二層</a:t>
+              <a:rPr lang="en-US" altLang="zh-TW" smtClean="0"/>
+              <a:t>Second level</a:t>
             </a:r>
           </a:p>
           <a:p>
             <a:pPr lvl="2"/>
             <a:r>
-              <a:rPr lang="zh-TW" altLang="en-US" smtClean="0"/>
-              <a:t>第三層</a:t>
+              <a:rPr lang="en-US" altLang="zh-TW" smtClean="0"/>
+              <a:t>Third level</a:t>
             </a:r>
           </a:p>
           <a:p>
             <a:pPr lvl="3"/>
             <a:r>
-              <a:rPr lang="zh-TW" altLang="en-US" smtClean="0"/>
-              <a:t>第四層</a:t>
+              <a:rPr lang="en-US" altLang="zh-TW" smtClean="0"/>
+              <a:t>Fourth level</a:t>
             </a:r>
           </a:p>
           <a:p>
             <a:pPr lvl="4"/>
             <a:r>
-              <a:rPr lang="zh-TW" altLang="en-US" smtClean="0"/>
-              <a:t>第五層</a:t>
+              <a:rPr lang="en-US" altLang="zh-TW" smtClean="0"/>
+              <a:t>Fifth level</a:t>
             </a:r>
             <a:endParaRPr lang="zh-TW" altLang="en-US"/>
           </a:p>
@@ -641,7 +667,7 @@
             <a:fld id="{5EB9643F-852B-4059-9F2F-1212C809C47E}" type="datetimeFigureOut">
               <a:rPr lang="zh-TW" altLang="en-US" smtClean="0"/>
               <a:pPr/>
-              <a:t>2018/12/11</a:t>
+              <a:t>2020/10/16</a:t>
             </a:fld>
             <a:endParaRPr lang="zh-TW" altLang="en-US"/>
           </a:p>
@@ -691,6 +717,11 @@
         </p:txBody>
       </p:sp>
     </p:spTree>
+    <p:extLst>
+      <p:ext uri="{BB962C8B-B14F-4D97-AF65-F5344CB8AC3E}">
+        <p14:creationId xmlns:p14="http://schemas.microsoft.com/office/powerpoint/2010/main" val="3664028621"/>
+      </p:ext>
+    </p:extLst>
   </p:cSld>
   <p:clrMapOvr>
     <a:masterClrMapping/>
@@ -731,8 +762,8 @@
           <a:lstStyle/>
           <a:p>
             <a:r>
-              <a:rPr lang="zh-TW" altLang="en-US" smtClean="0"/>
-              <a:t>按一下以編輯母片標題樣式</a:t>
+              <a:rPr lang="en-US" altLang="zh-TW" smtClean="0"/>
+              <a:t>Click to edit Master title style</a:t>
             </a:r>
             <a:endParaRPr lang="zh-TW" altLang="en-US"/>
           </a:p>
@@ -755,36 +786,36 @@
           <a:p>
             <a:pPr lvl="0"/>
             <a:r>
-              <a:rPr lang="zh-TW" altLang="en-US" smtClean="0"/>
-              <a:t>按一下以編輯母片文字樣式</a:t>
+              <a:rPr lang="en-US" altLang="zh-TW" smtClean="0"/>
+              <a:t>Edit Master text styles</a:t>
             </a:r>
           </a:p>
           <a:p>
             <a:pPr lvl="1"/>
             <a:r>
-              <a:rPr lang="zh-TW" altLang="en-US" smtClean="0"/>
-              <a:t>第二層</a:t>
+              <a:rPr lang="en-US" altLang="zh-TW" smtClean="0"/>
+              <a:t>Second level</a:t>
             </a:r>
           </a:p>
           <a:p>
             <a:pPr lvl="2"/>
             <a:r>
-              <a:rPr lang="zh-TW" altLang="en-US" smtClean="0"/>
-              <a:t>第三層</a:t>
+              <a:rPr lang="en-US" altLang="zh-TW" smtClean="0"/>
+              <a:t>Third level</a:t>
             </a:r>
           </a:p>
           <a:p>
             <a:pPr lvl="3"/>
             <a:r>
-              <a:rPr lang="zh-TW" altLang="en-US" smtClean="0"/>
-              <a:t>第四層</a:t>
+              <a:rPr lang="en-US" altLang="zh-TW" smtClean="0"/>
+              <a:t>Fourth level</a:t>
             </a:r>
           </a:p>
           <a:p>
             <a:pPr lvl="4"/>
             <a:r>
-              <a:rPr lang="zh-TW" altLang="en-US" smtClean="0"/>
-              <a:t>第五層</a:t>
+              <a:rPr lang="en-US" altLang="zh-TW" smtClean="0"/>
+              <a:t>Fifth level</a:t>
             </a:r>
             <a:endParaRPr lang="zh-TW" altLang="en-US"/>
           </a:p>
@@ -808,7 +839,7 @@
             <a:fld id="{5EB9643F-852B-4059-9F2F-1212C809C47E}" type="datetimeFigureOut">
               <a:rPr lang="zh-TW" altLang="en-US" smtClean="0"/>
               <a:pPr/>
-              <a:t>2018/12/11</a:t>
+              <a:t>2020/10/16</a:t>
             </a:fld>
             <a:endParaRPr lang="zh-TW" altLang="en-US"/>
           </a:p>
@@ -858,6 +889,11 @@
         </p:txBody>
       </p:sp>
     </p:spTree>
+    <p:extLst>
+      <p:ext uri="{BB962C8B-B14F-4D97-AF65-F5344CB8AC3E}">
+        <p14:creationId xmlns:p14="http://schemas.microsoft.com/office/powerpoint/2010/main" val="3583893138"/>
+      </p:ext>
+    </p:extLst>
   </p:cSld>
   <p:clrMapOvr>
     <a:masterClrMapping/>
@@ -894,8 +930,8 @@
         </p:nvSpPr>
         <p:spPr>
           <a:xfrm>
-            <a:off x="722313" y="4406900"/>
-            <a:ext cx="7772400" cy="1362075"/>
+            <a:off x="963084" y="4406903"/>
+            <a:ext cx="10363200" cy="1362075"/>
           </a:xfrm>
         </p:spPr>
         <p:txBody>
@@ -907,8 +943,8 @@
           </a:lstStyle>
           <a:p>
             <a:r>
-              <a:rPr lang="zh-TW" altLang="en-US" smtClean="0"/>
-              <a:t>按一下以編輯母片標題樣式</a:t>
+              <a:rPr lang="en-US" altLang="zh-TW" smtClean="0"/>
+              <a:t>Click to edit Master title style</a:t>
             </a:r>
             <a:endParaRPr lang="zh-TW" altLang="en-US"/>
           </a:p>
@@ -926,8 +962,8 @@
         </p:nvSpPr>
         <p:spPr>
           <a:xfrm>
-            <a:off x="722313" y="2906713"/>
-            <a:ext cx="7772400" cy="1500187"/>
+            <a:off x="963084" y="2906713"/>
+            <a:ext cx="10363200" cy="1500187"/>
           </a:xfrm>
         </p:spPr>
         <p:txBody>
@@ -943,7 +979,7 @@
                 </a:solidFill>
               </a:defRPr>
             </a:lvl1pPr>
-            <a:lvl2pPr marL="457200" indent="0">
+            <a:lvl2pPr marL="457189" indent="0">
               <a:buNone/>
               <a:defRPr sz="1800">
                 <a:solidFill>
@@ -953,7 +989,7 @@
                 </a:solidFill>
               </a:defRPr>
             </a:lvl2pPr>
-            <a:lvl3pPr marL="914400" indent="0">
+            <a:lvl3pPr marL="914378" indent="0">
               <a:buNone/>
               <a:defRPr sz="1600">
                 <a:solidFill>
@@ -963,7 +999,7 @@
                 </a:solidFill>
               </a:defRPr>
             </a:lvl3pPr>
-            <a:lvl4pPr marL="1371600" indent="0">
+            <a:lvl4pPr marL="1371566" indent="0">
               <a:buNone/>
               <a:defRPr sz="1400">
                 <a:solidFill>
@@ -973,7 +1009,7 @@
                 </a:solidFill>
               </a:defRPr>
             </a:lvl4pPr>
-            <a:lvl5pPr marL="1828800" indent="0">
+            <a:lvl5pPr marL="1828754" indent="0">
               <a:buNone/>
               <a:defRPr sz="1400">
                 <a:solidFill>
@@ -983,7 +1019,7 @@
                 </a:solidFill>
               </a:defRPr>
             </a:lvl5pPr>
-            <a:lvl6pPr marL="2286000" indent="0">
+            <a:lvl6pPr marL="2285943" indent="0">
               <a:buNone/>
               <a:defRPr sz="1400">
                 <a:solidFill>
@@ -993,7 +1029,7 @@
                 </a:solidFill>
               </a:defRPr>
             </a:lvl6pPr>
-            <a:lvl7pPr marL="2743200" indent="0">
+            <a:lvl7pPr marL="2743132" indent="0">
               <a:buNone/>
               <a:defRPr sz="1400">
                 <a:solidFill>
@@ -1003,7 +1039,7 @@
                 </a:solidFill>
               </a:defRPr>
             </a:lvl7pPr>
-            <a:lvl8pPr marL="3200400" indent="0">
+            <a:lvl8pPr marL="3200320" indent="0">
               <a:buNone/>
               <a:defRPr sz="1400">
                 <a:solidFill>
@@ -1013,7 +1049,7 @@
                 </a:solidFill>
               </a:defRPr>
             </a:lvl8pPr>
-            <a:lvl9pPr marL="3657600" indent="0">
+            <a:lvl9pPr marL="3657509" indent="0">
               <a:buNone/>
               <a:defRPr sz="1400">
                 <a:solidFill>
@@ -1027,8 +1063,8 @@
           <a:p>
             <a:pPr lvl="0"/>
             <a:r>
-              <a:rPr lang="zh-TW" altLang="en-US" smtClean="0"/>
-              <a:t>按一下以編輯母片文字樣式</a:t>
+              <a:rPr lang="en-US" altLang="zh-TW" smtClean="0"/>
+              <a:t>Edit Master text styles</a:t>
             </a:r>
           </a:p>
         </p:txBody>
@@ -1051,7 +1087,7 @@
             <a:fld id="{5EB9643F-852B-4059-9F2F-1212C809C47E}" type="datetimeFigureOut">
               <a:rPr lang="zh-TW" altLang="en-US" smtClean="0"/>
               <a:pPr/>
-              <a:t>2018/12/11</a:t>
+              <a:t>2020/10/16</a:t>
             </a:fld>
             <a:endParaRPr lang="zh-TW" altLang="en-US"/>
           </a:p>
@@ -1101,6 +1137,11 @@
         </p:txBody>
       </p:sp>
     </p:spTree>
+    <p:extLst>
+      <p:ext uri="{BB962C8B-B14F-4D97-AF65-F5344CB8AC3E}">
+        <p14:creationId xmlns:p14="http://schemas.microsoft.com/office/powerpoint/2010/main" val="2881347542"/>
+      </p:ext>
+    </p:extLst>
   </p:cSld>
   <p:clrMapOvr>
     <a:masterClrMapping/>
@@ -1141,8 +1182,8 @@
           <a:lstStyle/>
           <a:p>
             <a:r>
-              <a:rPr lang="zh-TW" altLang="en-US" smtClean="0"/>
-              <a:t>按一下以編輯母片標題樣式</a:t>
+              <a:rPr lang="en-US" altLang="zh-TW" smtClean="0"/>
+              <a:t>Click to edit Master title style</a:t>
             </a:r>
             <a:endParaRPr lang="zh-TW" altLang="en-US"/>
           </a:p>
@@ -1160,8 +1201,8 @@
         </p:nvSpPr>
         <p:spPr>
           <a:xfrm>
-            <a:off x="457200" y="1600200"/>
-            <a:ext cx="4038600" cy="4525963"/>
+            <a:off x="609600" y="1600203"/>
+            <a:ext cx="5384800" cy="4525963"/>
           </a:xfrm>
         </p:spPr>
         <p:txBody>
@@ -1198,36 +1239,36 @@
           <a:p>
             <a:pPr lvl="0"/>
             <a:r>
-              <a:rPr lang="zh-TW" altLang="en-US" smtClean="0"/>
-              <a:t>按一下以編輯母片文字樣式</a:t>
+              <a:rPr lang="en-US" altLang="zh-TW" smtClean="0"/>
+              <a:t>Edit Master text styles</a:t>
             </a:r>
           </a:p>
           <a:p>
             <a:pPr lvl="1"/>
             <a:r>
-              <a:rPr lang="zh-TW" altLang="en-US" smtClean="0"/>
-              <a:t>第二層</a:t>
+              <a:rPr lang="en-US" altLang="zh-TW" smtClean="0"/>
+              <a:t>Second level</a:t>
             </a:r>
           </a:p>
           <a:p>
             <a:pPr lvl="2"/>
             <a:r>
-              <a:rPr lang="zh-TW" altLang="en-US" smtClean="0"/>
-              <a:t>第三層</a:t>
+              <a:rPr lang="en-US" altLang="zh-TW" smtClean="0"/>
+              <a:t>Third level</a:t>
             </a:r>
           </a:p>
           <a:p>
             <a:pPr lvl="3"/>
             <a:r>
-              <a:rPr lang="zh-TW" altLang="en-US" smtClean="0"/>
-              <a:t>第四層</a:t>
+              <a:rPr lang="en-US" altLang="zh-TW" smtClean="0"/>
+              <a:t>Fourth level</a:t>
             </a:r>
           </a:p>
           <a:p>
             <a:pPr lvl="4"/>
             <a:r>
-              <a:rPr lang="zh-TW" altLang="en-US" smtClean="0"/>
-              <a:t>第五層</a:t>
+              <a:rPr lang="en-US" altLang="zh-TW" smtClean="0"/>
+              <a:t>Fifth level</a:t>
             </a:r>
             <a:endParaRPr lang="zh-TW" altLang="en-US"/>
           </a:p>
@@ -1245,8 +1286,8 @@
         </p:nvSpPr>
         <p:spPr>
           <a:xfrm>
-            <a:off x="4648200" y="1600200"/>
-            <a:ext cx="4038600" cy="4525963"/>
+            <a:off x="6197600" y="1600203"/>
+            <a:ext cx="5384800" cy="4525963"/>
           </a:xfrm>
         </p:spPr>
         <p:txBody>
@@ -1283,36 +1324,36 @@
           <a:p>
             <a:pPr lvl="0"/>
             <a:r>
-              <a:rPr lang="zh-TW" altLang="en-US" smtClean="0"/>
-              <a:t>按一下以編輯母片文字樣式</a:t>
+              <a:rPr lang="en-US" altLang="zh-TW" smtClean="0"/>
+              <a:t>Edit Master text styles</a:t>
             </a:r>
           </a:p>
           <a:p>
             <a:pPr lvl="1"/>
             <a:r>
-              <a:rPr lang="zh-TW" altLang="en-US" smtClean="0"/>
-              <a:t>第二層</a:t>
+              <a:rPr lang="en-US" altLang="zh-TW" smtClean="0"/>
+              <a:t>Second level</a:t>
             </a:r>
           </a:p>
           <a:p>
             <a:pPr lvl="2"/>
             <a:r>
-              <a:rPr lang="zh-TW" altLang="en-US" smtClean="0"/>
-              <a:t>第三層</a:t>
+              <a:rPr lang="en-US" altLang="zh-TW" smtClean="0"/>
+              <a:t>Third level</a:t>
             </a:r>
           </a:p>
           <a:p>
             <a:pPr lvl="3"/>
             <a:r>
-              <a:rPr lang="zh-TW" altLang="en-US" smtClean="0"/>
-              <a:t>第四層</a:t>
+              <a:rPr lang="en-US" altLang="zh-TW" smtClean="0"/>
+              <a:t>Fourth level</a:t>
             </a:r>
           </a:p>
           <a:p>
             <a:pPr lvl="4"/>
             <a:r>
-              <a:rPr lang="zh-TW" altLang="en-US" smtClean="0"/>
-              <a:t>第五層</a:t>
+              <a:rPr lang="en-US" altLang="zh-TW" smtClean="0"/>
+              <a:t>Fifth level</a:t>
             </a:r>
             <a:endParaRPr lang="zh-TW" altLang="en-US"/>
           </a:p>
@@ -1336,7 +1377,7 @@
             <a:fld id="{5EB9643F-852B-4059-9F2F-1212C809C47E}" type="datetimeFigureOut">
               <a:rPr lang="zh-TW" altLang="en-US" smtClean="0"/>
               <a:pPr/>
-              <a:t>2018/12/11</a:t>
+              <a:t>2020/10/16</a:t>
             </a:fld>
             <a:endParaRPr lang="zh-TW" altLang="en-US"/>
           </a:p>
@@ -1386,6 +1427,11 @@
         </p:txBody>
       </p:sp>
     </p:spTree>
+    <p:extLst>
+      <p:ext uri="{BB962C8B-B14F-4D97-AF65-F5344CB8AC3E}">
+        <p14:creationId xmlns:p14="http://schemas.microsoft.com/office/powerpoint/2010/main" val="202562669"/>
+      </p:ext>
+    </p:extLst>
   </p:cSld>
   <p:clrMapOvr>
     <a:masterClrMapping/>
@@ -1430,8 +1476,8 @@
           </a:lstStyle>
           <a:p>
             <a:r>
-              <a:rPr lang="zh-TW" altLang="en-US" smtClean="0"/>
-              <a:t>按一下以編輯母片標題樣式</a:t>
+              <a:rPr lang="en-US" altLang="zh-TW" smtClean="0"/>
+              <a:t>Click to edit Master title style</a:t>
             </a:r>
             <a:endParaRPr lang="zh-TW" altLang="en-US"/>
           </a:p>
@@ -1449,8 +1495,8 @@
         </p:nvSpPr>
         <p:spPr>
           <a:xfrm>
-            <a:off x="457200" y="1535113"/>
-            <a:ext cx="4040188" cy="639762"/>
+            <a:off x="609600" y="1535115"/>
+            <a:ext cx="5386917" cy="639763"/>
           </a:xfrm>
         </p:spPr>
         <p:txBody>
@@ -1460,35 +1506,35 @@
               <a:buNone/>
               <a:defRPr sz="2400" b="1"/>
             </a:lvl1pPr>
-            <a:lvl2pPr marL="457200" indent="0">
+            <a:lvl2pPr marL="457189" indent="0">
               <a:buNone/>
               <a:defRPr sz="2000" b="1"/>
             </a:lvl2pPr>
-            <a:lvl3pPr marL="914400" indent="0">
+            <a:lvl3pPr marL="914378" indent="0">
               <a:buNone/>
               <a:defRPr sz="1800" b="1"/>
             </a:lvl3pPr>
-            <a:lvl4pPr marL="1371600" indent="0">
+            <a:lvl4pPr marL="1371566" indent="0">
               <a:buNone/>
               <a:defRPr sz="1600" b="1"/>
             </a:lvl4pPr>
-            <a:lvl5pPr marL="1828800" indent="0">
+            <a:lvl5pPr marL="1828754" indent="0">
               <a:buNone/>
               <a:defRPr sz="1600" b="1"/>
             </a:lvl5pPr>
-            <a:lvl6pPr marL="2286000" indent="0">
+            <a:lvl6pPr marL="2285943" indent="0">
               <a:buNone/>
               <a:defRPr sz="1600" b="1"/>
             </a:lvl6pPr>
-            <a:lvl7pPr marL="2743200" indent="0">
+            <a:lvl7pPr marL="2743132" indent="0">
               <a:buNone/>
               <a:defRPr sz="1600" b="1"/>
             </a:lvl7pPr>
-            <a:lvl8pPr marL="3200400" indent="0">
+            <a:lvl8pPr marL="3200320" indent="0">
               <a:buNone/>
               <a:defRPr sz="1600" b="1"/>
             </a:lvl8pPr>
-            <a:lvl9pPr marL="3657600" indent="0">
+            <a:lvl9pPr marL="3657509" indent="0">
               <a:buNone/>
               <a:defRPr sz="1600" b="1"/>
             </a:lvl9pPr>
@@ -1496,8 +1542,8 @@
           <a:p>
             <a:pPr lvl="0"/>
             <a:r>
-              <a:rPr lang="zh-TW" altLang="en-US" smtClean="0"/>
-              <a:t>按一下以編輯母片文字樣式</a:t>
+              <a:rPr lang="en-US" altLang="zh-TW" smtClean="0"/>
+              <a:t>Edit Master text styles</a:t>
             </a:r>
           </a:p>
         </p:txBody>
@@ -1514,8 +1560,8 @@
         </p:nvSpPr>
         <p:spPr>
           <a:xfrm>
-            <a:off x="457200" y="2174875"/>
-            <a:ext cx="4040188" cy="3951288"/>
+            <a:off x="609600" y="2174875"/>
+            <a:ext cx="5386917" cy="3951288"/>
           </a:xfrm>
         </p:spPr>
         <p:txBody>
@@ -1552,36 +1598,36 @@
           <a:p>
             <a:pPr lvl="0"/>
             <a:r>
-              <a:rPr lang="zh-TW" altLang="en-US" smtClean="0"/>
-              <a:t>按一下以編輯母片文字樣式</a:t>
+              <a:rPr lang="en-US" altLang="zh-TW" smtClean="0"/>
+              <a:t>Edit Master text styles</a:t>
             </a:r>
           </a:p>
           <a:p>
             <a:pPr lvl="1"/>
             <a:r>
-              <a:rPr lang="zh-TW" altLang="en-US" smtClean="0"/>
-              <a:t>第二層</a:t>
+              <a:rPr lang="en-US" altLang="zh-TW" smtClean="0"/>
+              <a:t>Second level</a:t>
             </a:r>
           </a:p>
           <a:p>
             <a:pPr lvl="2"/>
             <a:r>
-              <a:rPr lang="zh-TW" altLang="en-US" smtClean="0"/>
-              <a:t>第三層</a:t>
+              <a:rPr lang="en-US" altLang="zh-TW" smtClean="0"/>
+              <a:t>Third level</a:t>
             </a:r>
           </a:p>
           <a:p>
             <a:pPr lvl="3"/>
             <a:r>
-              <a:rPr lang="zh-TW" altLang="en-US" smtClean="0"/>
-              <a:t>第四層</a:t>
+              <a:rPr lang="en-US" altLang="zh-TW" smtClean="0"/>
+              <a:t>Fourth level</a:t>
             </a:r>
           </a:p>
           <a:p>
             <a:pPr lvl="4"/>
             <a:r>
-              <a:rPr lang="zh-TW" altLang="en-US" smtClean="0"/>
-              <a:t>第五層</a:t>
+              <a:rPr lang="en-US" altLang="zh-TW" smtClean="0"/>
+              <a:t>Fifth level</a:t>
             </a:r>
             <a:endParaRPr lang="zh-TW" altLang="en-US"/>
           </a:p>
@@ -1599,8 +1645,8 @@
         </p:nvSpPr>
         <p:spPr>
           <a:xfrm>
-            <a:off x="4645025" y="1535113"/>
-            <a:ext cx="4041775" cy="639762"/>
+            <a:off x="6193370" y="1535115"/>
+            <a:ext cx="5389033" cy="639763"/>
           </a:xfrm>
         </p:spPr>
         <p:txBody>
@@ -1610,35 +1656,35 @@
               <a:buNone/>
               <a:defRPr sz="2400" b="1"/>
             </a:lvl1pPr>
-            <a:lvl2pPr marL="457200" indent="0">
+            <a:lvl2pPr marL="457189" indent="0">
               <a:buNone/>
               <a:defRPr sz="2000" b="1"/>
             </a:lvl2pPr>
-            <a:lvl3pPr marL="914400" indent="0">
+            <a:lvl3pPr marL="914378" indent="0">
               <a:buNone/>
               <a:defRPr sz="1800" b="1"/>
             </a:lvl3pPr>
-            <a:lvl4pPr marL="1371600" indent="0">
+            <a:lvl4pPr marL="1371566" indent="0">
               <a:buNone/>
               <a:defRPr sz="1600" b="1"/>
             </a:lvl4pPr>
-            <a:lvl5pPr marL="1828800" indent="0">
+            <a:lvl5pPr marL="1828754" indent="0">
               <a:buNone/>
               <a:defRPr sz="1600" b="1"/>
             </a:lvl5pPr>
-            <a:lvl6pPr marL="2286000" indent="0">
+            <a:lvl6pPr marL="2285943" indent="0">
               <a:buNone/>
               <a:defRPr sz="1600" b="1"/>
             </a:lvl6pPr>
-            <a:lvl7pPr marL="2743200" indent="0">
+            <a:lvl7pPr marL="2743132" indent="0">
               <a:buNone/>
               <a:defRPr sz="1600" b="1"/>
             </a:lvl7pPr>
-            <a:lvl8pPr marL="3200400" indent="0">
+            <a:lvl8pPr marL="3200320" indent="0">
               <a:buNone/>
               <a:defRPr sz="1600" b="1"/>
             </a:lvl8pPr>
-            <a:lvl9pPr marL="3657600" indent="0">
+            <a:lvl9pPr marL="3657509" indent="0">
               <a:buNone/>
               <a:defRPr sz="1600" b="1"/>
             </a:lvl9pPr>
@@ -1646,8 +1692,8 @@
           <a:p>
             <a:pPr lvl="0"/>
             <a:r>
-              <a:rPr lang="zh-TW" altLang="en-US" smtClean="0"/>
-              <a:t>按一下以編輯母片文字樣式</a:t>
+              <a:rPr lang="en-US" altLang="zh-TW" smtClean="0"/>
+              <a:t>Edit Master text styles</a:t>
             </a:r>
           </a:p>
         </p:txBody>
@@ -1664,8 +1710,8 @@
         </p:nvSpPr>
         <p:spPr>
           <a:xfrm>
-            <a:off x="4645025" y="2174875"/>
-            <a:ext cx="4041775" cy="3951288"/>
+            <a:off x="6193370" y="2174875"/>
+            <a:ext cx="5389033" cy="3951288"/>
           </a:xfrm>
         </p:spPr>
         <p:txBody>
@@ -1702,36 +1748,36 @@
           <a:p>
             <a:pPr lvl="0"/>
             <a:r>
-              <a:rPr lang="zh-TW" altLang="en-US" smtClean="0"/>
-              <a:t>按一下以編輯母片文字樣式</a:t>
+              <a:rPr lang="en-US" altLang="zh-TW" smtClean="0"/>
+              <a:t>Edit Master text styles</a:t>
             </a:r>
           </a:p>
           <a:p>
             <a:pPr lvl="1"/>
             <a:r>
-              <a:rPr lang="zh-TW" altLang="en-US" smtClean="0"/>
-              <a:t>第二層</a:t>
+              <a:rPr lang="en-US" altLang="zh-TW" smtClean="0"/>
+              <a:t>Second level</a:t>
             </a:r>
           </a:p>
           <a:p>
             <a:pPr lvl="2"/>
             <a:r>
-              <a:rPr lang="zh-TW" altLang="en-US" smtClean="0"/>
-              <a:t>第三層</a:t>
+              <a:rPr lang="en-US" altLang="zh-TW" smtClean="0"/>
+              <a:t>Third level</a:t>
             </a:r>
           </a:p>
           <a:p>
             <a:pPr lvl="3"/>
             <a:r>
-              <a:rPr lang="zh-TW" altLang="en-US" smtClean="0"/>
-              <a:t>第四層</a:t>
+              <a:rPr lang="en-US" altLang="zh-TW" smtClean="0"/>
+              <a:t>Fourth level</a:t>
             </a:r>
           </a:p>
           <a:p>
             <a:pPr lvl="4"/>
             <a:r>
-              <a:rPr lang="zh-TW" altLang="en-US" smtClean="0"/>
-              <a:t>第五層</a:t>
+              <a:rPr lang="en-US" altLang="zh-TW" smtClean="0"/>
+              <a:t>Fifth level</a:t>
             </a:r>
             <a:endParaRPr lang="zh-TW" altLang="en-US"/>
           </a:p>
@@ -1755,7 +1801,7 @@
             <a:fld id="{5EB9643F-852B-4059-9F2F-1212C809C47E}" type="datetimeFigureOut">
               <a:rPr lang="zh-TW" altLang="en-US" smtClean="0"/>
               <a:pPr/>
-              <a:t>2018/12/11</a:t>
+              <a:t>2020/10/16</a:t>
             </a:fld>
             <a:endParaRPr lang="zh-TW" altLang="en-US"/>
           </a:p>
@@ -1805,6 +1851,11 @@
         </p:txBody>
       </p:sp>
     </p:spTree>
+    <p:extLst>
+      <p:ext uri="{BB962C8B-B14F-4D97-AF65-F5344CB8AC3E}">
+        <p14:creationId xmlns:p14="http://schemas.microsoft.com/office/powerpoint/2010/main" val="1997055524"/>
+      </p:ext>
+    </p:extLst>
   </p:cSld>
   <p:clrMapOvr>
     <a:masterClrMapping/>
@@ -1845,8 +1896,8 @@
           <a:lstStyle/>
           <a:p>
             <a:r>
-              <a:rPr lang="zh-TW" altLang="en-US" smtClean="0"/>
-              <a:t>按一下以編輯母片標題樣式</a:t>
+              <a:rPr lang="en-US" altLang="zh-TW" smtClean="0"/>
+              <a:t>Click to edit Master title style</a:t>
             </a:r>
             <a:endParaRPr lang="zh-TW" altLang="en-US"/>
           </a:p>
@@ -1870,7 +1921,7 @@
             <a:fld id="{5EB9643F-852B-4059-9F2F-1212C809C47E}" type="datetimeFigureOut">
               <a:rPr lang="zh-TW" altLang="en-US" smtClean="0"/>
               <a:pPr/>
-              <a:t>2018/12/11</a:t>
+              <a:t>2020/10/16</a:t>
             </a:fld>
             <a:endParaRPr lang="zh-TW" altLang="en-US"/>
           </a:p>
@@ -1920,6 +1971,11 @@
         </p:txBody>
       </p:sp>
     </p:spTree>
+    <p:extLst>
+      <p:ext uri="{BB962C8B-B14F-4D97-AF65-F5344CB8AC3E}">
+        <p14:creationId xmlns:p14="http://schemas.microsoft.com/office/powerpoint/2010/main" val="2432364387"/>
+      </p:ext>
+    </p:extLst>
   </p:cSld>
   <p:clrMapOvr>
     <a:masterClrMapping/>
@@ -1962,7 +2018,7 @@
             <a:fld id="{5EB9643F-852B-4059-9F2F-1212C809C47E}" type="datetimeFigureOut">
               <a:rPr lang="zh-TW" altLang="en-US" smtClean="0"/>
               <a:pPr/>
-              <a:t>2018/12/11</a:t>
+              <a:t>2020/10/16</a:t>
             </a:fld>
             <a:endParaRPr lang="zh-TW" altLang="en-US"/>
           </a:p>
@@ -2012,6 +2068,11 @@
         </p:txBody>
       </p:sp>
     </p:spTree>
+    <p:extLst>
+      <p:ext uri="{BB962C8B-B14F-4D97-AF65-F5344CB8AC3E}">
+        <p14:creationId xmlns:p14="http://schemas.microsoft.com/office/powerpoint/2010/main" val="1038716112"/>
+      </p:ext>
+    </p:extLst>
   </p:cSld>
   <p:clrMapOvr>
     <a:masterClrMapping/>
@@ -2048,8 +2109,8 @@
         </p:nvSpPr>
         <p:spPr>
           <a:xfrm>
-            <a:off x="457200" y="273050"/>
-            <a:ext cx="3008313" cy="1162050"/>
+            <a:off x="609603" y="273051"/>
+            <a:ext cx="4011084" cy="1162051"/>
           </a:xfrm>
         </p:spPr>
         <p:txBody>
@@ -2061,8 +2122,8 @@
           </a:lstStyle>
           <a:p>
             <a:r>
-              <a:rPr lang="zh-TW" altLang="en-US" smtClean="0"/>
-              <a:t>按一下以編輯母片標題樣式</a:t>
+              <a:rPr lang="en-US" altLang="zh-TW" smtClean="0"/>
+              <a:t>Click to edit Master title style</a:t>
             </a:r>
             <a:endParaRPr lang="zh-TW" altLang="en-US"/>
           </a:p>
@@ -2080,8 +2141,8 @@
         </p:nvSpPr>
         <p:spPr>
           <a:xfrm>
-            <a:off x="3575050" y="273050"/>
-            <a:ext cx="5111750" cy="5853113"/>
+            <a:off x="4766733" y="273054"/>
+            <a:ext cx="6815667" cy="5853113"/>
           </a:xfrm>
         </p:spPr>
         <p:txBody>
@@ -2118,36 +2179,36 @@
           <a:p>
             <a:pPr lvl="0"/>
             <a:r>
-              <a:rPr lang="zh-TW" altLang="en-US" smtClean="0"/>
-              <a:t>按一下以編輯母片文字樣式</a:t>
+              <a:rPr lang="en-US" altLang="zh-TW" smtClean="0"/>
+              <a:t>Edit Master text styles</a:t>
             </a:r>
           </a:p>
           <a:p>
             <a:pPr lvl="1"/>
             <a:r>
-              <a:rPr lang="zh-TW" altLang="en-US" smtClean="0"/>
-              <a:t>第二層</a:t>
+              <a:rPr lang="en-US" altLang="zh-TW" smtClean="0"/>
+              <a:t>Second level</a:t>
             </a:r>
           </a:p>
           <a:p>
             <a:pPr lvl="2"/>
             <a:r>
-              <a:rPr lang="zh-TW" altLang="en-US" smtClean="0"/>
-              <a:t>第三層</a:t>
+              <a:rPr lang="en-US" altLang="zh-TW" smtClean="0"/>
+              <a:t>Third level</a:t>
             </a:r>
           </a:p>
           <a:p>
             <a:pPr lvl="3"/>
             <a:r>
-              <a:rPr lang="zh-TW" altLang="en-US" smtClean="0"/>
-              <a:t>第四層</a:t>
+              <a:rPr lang="en-US" altLang="zh-TW" smtClean="0"/>
+              <a:t>Fourth level</a:t>
             </a:r>
           </a:p>
           <a:p>
             <a:pPr lvl="4"/>
             <a:r>
-              <a:rPr lang="zh-TW" altLang="en-US" smtClean="0"/>
-              <a:t>第五層</a:t>
+              <a:rPr lang="en-US" altLang="zh-TW" smtClean="0"/>
+              <a:t>Fifth level</a:t>
             </a:r>
             <a:endParaRPr lang="zh-TW" altLang="en-US"/>
           </a:p>
@@ -2165,8 +2226,8 @@
         </p:nvSpPr>
         <p:spPr>
           <a:xfrm>
-            <a:off x="457200" y="1435100"/>
-            <a:ext cx="3008313" cy="4691063"/>
+            <a:off x="609603" y="1435103"/>
+            <a:ext cx="4011084" cy="4691063"/>
           </a:xfrm>
         </p:spPr>
         <p:txBody>
@@ -2176,35 +2237,35 @@
               <a:buNone/>
               <a:defRPr sz="1400"/>
             </a:lvl1pPr>
-            <a:lvl2pPr marL="457200" indent="0">
+            <a:lvl2pPr marL="457189" indent="0">
               <a:buNone/>
               <a:defRPr sz="1200"/>
             </a:lvl2pPr>
-            <a:lvl3pPr marL="914400" indent="0">
+            <a:lvl3pPr marL="914378" indent="0">
               <a:buNone/>
               <a:defRPr sz="1000"/>
             </a:lvl3pPr>
-            <a:lvl4pPr marL="1371600" indent="0">
+            <a:lvl4pPr marL="1371566" indent="0">
               <a:buNone/>
               <a:defRPr sz="900"/>
             </a:lvl4pPr>
-            <a:lvl5pPr marL="1828800" indent="0">
+            <a:lvl5pPr marL="1828754" indent="0">
               <a:buNone/>
               <a:defRPr sz="900"/>
             </a:lvl5pPr>
-            <a:lvl6pPr marL="2286000" indent="0">
+            <a:lvl6pPr marL="2285943" indent="0">
               <a:buNone/>
               <a:defRPr sz="900"/>
             </a:lvl6pPr>
-            <a:lvl7pPr marL="2743200" indent="0">
+            <a:lvl7pPr marL="2743132" indent="0">
               <a:buNone/>
               <a:defRPr sz="900"/>
             </a:lvl7pPr>
-            <a:lvl8pPr marL="3200400" indent="0">
+            <a:lvl8pPr marL="3200320" indent="0">
               <a:buNone/>
               <a:defRPr sz="900"/>
             </a:lvl8pPr>
-            <a:lvl9pPr marL="3657600" indent="0">
+            <a:lvl9pPr marL="3657509" indent="0">
               <a:buNone/>
               <a:defRPr sz="900"/>
             </a:lvl9pPr>
@@ -2212,8 +2273,8 @@
           <a:p>
             <a:pPr lvl="0"/>
             <a:r>
-              <a:rPr lang="zh-TW" altLang="en-US" smtClean="0"/>
-              <a:t>按一下以編輯母片文字樣式</a:t>
+              <a:rPr lang="en-US" altLang="zh-TW" smtClean="0"/>
+              <a:t>Edit Master text styles</a:t>
             </a:r>
           </a:p>
         </p:txBody>
@@ -2236,7 +2297,7 @@
             <a:fld id="{5EB9643F-852B-4059-9F2F-1212C809C47E}" type="datetimeFigureOut">
               <a:rPr lang="zh-TW" altLang="en-US" smtClean="0"/>
               <a:pPr/>
-              <a:t>2018/12/11</a:t>
+              <a:t>2020/10/16</a:t>
             </a:fld>
             <a:endParaRPr lang="zh-TW" altLang="en-US"/>
           </a:p>
@@ -2286,6 +2347,11 @@
         </p:txBody>
       </p:sp>
     </p:spTree>
+    <p:extLst>
+      <p:ext uri="{BB962C8B-B14F-4D97-AF65-F5344CB8AC3E}">
+        <p14:creationId xmlns:p14="http://schemas.microsoft.com/office/powerpoint/2010/main" val="3963582305"/>
+      </p:ext>
+    </p:extLst>
   </p:cSld>
   <p:clrMapOvr>
     <a:masterClrMapping/>
@@ -2322,8 +2388,8 @@
         </p:nvSpPr>
         <p:spPr>
           <a:xfrm>
-            <a:off x="1792288" y="4800600"/>
-            <a:ext cx="5486400" cy="566738"/>
+            <a:off x="2389717" y="4800602"/>
+            <a:ext cx="7315200" cy="566739"/>
           </a:xfrm>
         </p:spPr>
         <p:txBody>
@@ -2335,8 +2401,8 @@
           </a:lstStyle>
           <a:p>
             <a:r>
-              <a:rPr lang="zh-TW" altLang="en-US" smtClean="0"/>
-              <a:t>按一下以編輯母片標題樣式</a:t>
+              <a:rPr lang="en-US" altLang="zh-TW" smtClean="0"/>
+              <a:t>Click to edit Master title style</a:t>
             </a:r>
             <a:endParaRPr lang="zh-TW" altLang="en-US"/>
           </a:p>
@@ -2354,8 +2420,8 @@
         </p:nvSpPr>
         <p:spPr>
           <a:xfrm>
-            <a:off x="1792288" y="612775"/>
-            <a:ext cx="5486400" cy="4114800"/>
+            <a:off x="2389717" y="612775"/>
+            <a:ext cx="7315200" cy="4114800"/>
           </a:xfrm>
         </p:spPr>
         <p:txBody>
@@ -2365,43 +2431,43 @@
               <a:buNone/>
               <a:defRPr sz="3200"/>
             </a:lvl1pPr>
-            <a:lvl2pPr marL="457200" indent="0">
+            <a:lvl2pPr marL="457189" indent="0">
               <a:buNone/>
               <a:defRPr sz="2800"/>
             </a:lvl2pPr>
-            <a:lvl3pPr marL="914400" indent="0">
+            <a:lvl3pPr marL="914378" indent="0">
               <a:buNone/>
               <a:defRPr sz="2400"/>
             </a:lvl3pPr>
-            <a:lvl4pPr marL="1371600" indent="0">
+            <a:lvl4pPr marL="1371566" indent="0">
               <a:buNone/>
               <a:defRPr sz="2000"/>
             </a:lvl4pPr>
-            <a:lvl5pPr marL="1828800" indent="0">
+            <a:lvl5pPr marL="1828754" indent="0">
               <a:buNone/>
               <a:defRPr sz="2000"/>
             </a:lvl5pPr>
-            <a:lvl6pPr marL="2286000" indent="0">
+            <a:lvl6pPr marL="2285943" indent="0">
               <a:buNone/>
               <a:defRPr sz="2000"/>
             </a:lvl6pPr>
-            <a:lvl7pPr marL="2743200" indent="0">
+            <a:lvl7pPr marL="2743132" indent="0">
               <a:buNone/>
               <a:defRPr sz="2000"/>
             </a:lvl7pPr>
-            <a:lvl8pPr marL="3200400" indent="0">
+            <a:lvl8pPr marL="3200320" indent="0">
               <a:buNone/>
               <a:defRPr sz="2000"/>
             </a:lvl8pPr>
-            <a:lvl9pPr marL="3657600" indent="0">
+            <a:lvl9pPr marL="3657509" indent="0">
               <a:buNone/>
               <a:defRPr sz="2000"/>
             </a:lvl9pPr>
           </a:lstStyle>
           <a:p>
             <a:r>
-              <a:rPr lang="zh-TW" altLang="en-US" smtClean="0"/>
-              <a:t>按一下圖示以新增圖片</a:t>
+              <a:rPr lang="en-US" altLang="zh-TW" smtClean="0"/>
+              <a:t>Click icon to add picture</a:t>
             </a:r>
             <a:endParaRPr lang="zh-TW" altLang="en-US"/>
           </a:p>
@@ -2419,8 +2485,8 @@
         </p:nvSpPr>
         <p:spPr>
           <a:xfrm>
-            <a:off x="1792288" y="5367338"/>
-            <a:ext cx="5486400" cy="804862"/>
+            <a:off x="2389717" y="5367340"/>
+            <a:ext cx="7315200" cy="804863"/>
           </a:xfrm>
         </p:spPr>
         <p:txBody>
@@ -2430,35 +2496,35 @@
               <a:buNone/>
               <a:defRPr sz="1400"/>
             </a:lvl1pPr>
-            <a:lvl2pPr marL="457200" indent="0">
+            <a:lvl2pPr marL="457189" indent="0">
               <a:buNone/>
               <a:defRPr sz="1200"/>
             </a:lvl2pPr>
-            <a:lvl3pPr marL="914400" indent="0">
+            <a:lvl3pPr marL="914378" indent="0">
               <a:buNone/>
               <a:defRPr sz="1000"/>
             </a:lvl3pPr>
-            <a:lvl4pPr marL="1371600" indent="0">
+            <a:lvl4pPr marL="1371566" indent="0">
               <a:buNone/>
               <a:defRPr sz="900"/>
             </a:lvl4pPr>
-            <a:lvl5pPr marL="1828800" indent="0">
+            <a:lvl5pPr marL="1828754" indent="0">
               <a:buNone/>
               <a:defRPr sz="900"/>
             </a:lvl5pPr>
-            <a:lvl6pPr marL="2286000" indent="0">
+            <a:lvl6pPr marL="2285943" indent="0">
               <a:buNone/>
               <a:defRPr sz="900"/>
             </a:lvl6pPr>
-            <a:lvl7pPr marL="2743200" indent="0">
+            <a:lvl7pPr marL="2743132" indent="0">
               <a:buNone/>
               <a:defRPr sz="900"/>
             </a:lvl7pPr>
-            <a:lvl8pPr marL="3200400" indent="0">
+            <a:lvl8pPr marL="3200320" indent="0">
               <a:buNone/>
               <a:defRPr sz="900"/>
             </a:lvl8pPr>
-            <a:lvl9pPr marL="3657600" indent="0">
+            <a:lvl9pPr marL="3657509" indent="0">
               <a:buNone/>
               <a:defRPr sz="900"/>
             </a:lvl9pPr>
@@ -2466,8 +2532,8 @@
           <a:p>
             <a:pPr lvl="0"/>
             <a:r>
-              <a:rPr lang="zh-TW" altLang="en-US" smtClean="0"/>
-              <a:t>按一下以編輯母片文字樣式</a:t>
+              <a:rPr lang="en-US" altLang="zh-TW" smtClean="0"/>
+              <a:t>Edit Master text styles</a:t>
             </a:r>
           </a:p>
         </p:txBody>
@@ -2490,7 +2556,7 @@
             <a:fld id="{5EB9643F-852B-4059-9F2F-1212C809C47E}" type="datetimeFigureOut">
               <a:rPr lang="zh-TW" altLang="en-US" smtClean="0"/>
               <a:pPr/>
-              <a:t>2018/12/11</a:t>
+              <a:t>2020/10/16</a:t>
             </a:fld>
             <a:endParaRPr lang="zh-TW" altLang="en-US"/>
           </a:p>
@@ -2540,6 +2606,11 @@
         </p:txBody>
       </p:sp>
     </p:spTree>
+    <p:extLst>
+      <p:ext uri="{BB962C8B-B14F-4D97-AF65-F5344CB8AC3E}">
+        <p14:creationId xmlns:p14="http://schemas.microsoft.com/office/powerpoint/2010/main" val="82895729"/>
+      </p:ext>
+    </p:extLst>
   </p:cSld>
   <p:clrMapOvr>
     <a:masterClrMapping/>
@@ -2586,8 +2657,8 @@
         </p:nvSpPr>
         <p:spPr>
           <a:xfrm>
-            <a:off x="457200" y="274638"/>
-            <a:ext cx="8229600" cy="1143000"/>
+            <a:off x="609600" y="274639"/>
+            <a:ext cx="10972800" cy="1143000"/>
           </a:xfrm>
           <a:prstGeom prst="rect">
             <a:avLst/>
@@ -2619,8 +2690,8 @@
         </p:nvSpPr>
         <p:spPr>
           <a:xfrm>
-            <a:off x="457200" y="1600200"/>
-            <a:ext cx="8229600" cy="4525963"/>
+            <a:off x="609600" y="1600203"/>
+            <a:ext cx="10972800" cy="4525963"/>
           </a:xfrm>
           <a:prstGeom prst="rect">
             <a:avLst/>
@@ -2681,8 +2752,8 @@
         </p:nvSpPr>
         <p:spPr>
           <a:xfrm>
-            <a:off x="457200" y="6356350"/>
-            <a:ext cx="2133600" cy="365125"/>
+            <a:off x="609600" y="6356353"/>
+            <a:ext cx="2844800" cy="365125"/>
           </a:xfrm>
           <a:prstGeom prst="rect">
             <a:avLst/>
@@ -2705,7 +2776,7 @@
             <a:fld id="{5EB9643F-852B-4059-9F2F-1212C809C47E}" type="datetimeFigureOut">
               <a:rPr lang="zh-TW" altLang="en-US" smtClean="0"/>
               <a:pPr/>
-              <a:t>2018/12/11</a:t>
+              <a:t>2020/10/16</a:t>
             </a:fld>
             <a:endParaRPr lang="zh-TW" altLang="en-US"/>
           </a:p>
@@ -2723,8 +2794,8 @@
         </p:nvSpPr>
         <p:spPr>
           <a:xfrm>
-            <a:off x="3124200" y="6356350"/>
-            <a:ext cx="2895600" cy="365125"/>
+            <a:off x="4165600" y="6356353"/>
+            <a:ext cx="3860800" cy="365125"/>
           </a:xfrm>
           <a:prstGeom prst="rect">
             <a:avLst/>
@@ -2760,8 +2831,8 @@
         </p:nvSpPr>
         <p:spPr>
           <a:xfrm>
-            <a:off x="6553200" y="6356350"/>
-            <a:ext cx="2133600" cy="365125"/>
+            <a:off x="8737600" y="6356353"/>
+            <a:ext cx="2844800" cy="365125"/>
           </a:xfrm>
           <a:prstGeom prst="rect">
             <a:avLst/>
@@ -2791,24 +2862,29 @@
         </p:txBody>
       </p:sp>
     </p:spTree>
+    <p:extLst>
+      <p:ext uri="{BB962C8B-B14F-4D97-AF65-F5344CB8AC3E}">
+        <p14:creationId xmlns:p14="http://schemas.microsoft.com/office/powerpoint/2010/main" val="2465611736"/>
+      </p:ext>
+    </p:extLst>
   </p:cSld>
   <p:clrMap bg1="lt1" tx1="dk1" bg2="lt2" tx2="dk2" accent1="accent1" accent2="accent2" accent3="accent3" accent4="accent4" accent5="accent5" accent6="accent6" hlink="hlink" folHlink="folHlink"/>
   <p:sldLayoutIdLst>
-    <p:sldLayoutId id="2147483661" r:id="rId1"/>
-    <p:sldLayoutId id="2147483662" r:id="rId2"/>
-    <p:sldLayoutId id="2147483663" r:id="rId3"/>
-    <p:sldLayoutId id="2147483664" r:id="rId4"/>
-    <p:sldLayoutId id="2147483665" r:id="rId5"/>
-    <p:sldLayoutId id="2147483666" r:id="rId6"/>
-    <p:sldLayoutId id="2147483667" r:id="rId7"/>
-    <p:sldLayoutId id="2147483668" r:id="rId8"/>
-    <p:sldLayoutId id="2147483669" r:id="rId9"/>
-    <p:sldLayoutId id="2147483670" r:id="rId10"/>
-    <p:sldLayoutId id="2147483671" r:id="rId11"/>
+    <p:sldLayoutId id="2147483673" r:id="rId1"/>
+    <p:sldLayoutId id="2147483674" r:id="rId2"/>
+    <p:sldLayoutId id="2147483675" r:id="rId3"/>
+    <p:sldLayoutId id="2147483676" r:id="rId4"/>
+    <p:sldLayoutId id="2147483677" r:id="rId5"/>
+    <p:sldLayoutId id="2147483678" r:id="rId6"/>
+    <p:sldLayoutId id="2147483679" r:id="rId7"/>
+    <p:sldLayoutId id="2147483680" r:id="rId8"/>
+    <p:sldLayoutId id="2147483681" r:id="rId9"/>
+    <p:sldLayoutId id="2147483682" r:id="rId10"/>
+    <p:sldLayoutId id="2147483683" r:id="rId11"/>
   </p:sldLayoutIdLst>
   <p:txStyles>
     <p:titleStyle>
-      <a:lvl1pPr algn="ctr" defTabSz="914400" rtl="0" eaLnBrk="1" latinLnBrk="0" hangingPunct="1">
+      <a:lvl1pPr algn="ctr" defTabSz="914378" rtl="0" eaLnBrk="1" latinLnBrk="0" hangingPunct="1">
         <a:spcBef>
           <a:spcPct val="0"/>
         </a:spcBef>
@@ -2824,7 +2900,7 @@
       </a:lvl1pPr>
     </p:titleStyle>
     <p:bodyStyle>
-      <a:lvl1pPr marL="342900" indent="-342900" algn="l" defTabSz="914400" rtl="0" eaLnBrk="1" latinLnBrk="0" hangingPunct="1">
+      <a:lvl1pPr marL="342892" indent="-342892" algn="l" defTabSz="914378" rtl="0" eaLnBrk="1" latinLnBrk="0" hangingPunct="1">
         <a:spcBef>
           <a:spcPct val="20000"/>
         </a:spcBef>
@@ -2839,7 +2915,7 @@
           <a:cs typeface="+mn-cs"/>
         </a:defRPr>
       </a:lvl1pPr>
-      <a:lvl2pPr marL="742950" indent="-285750" algn="l" defTabSz="914400" rtl="0" eaLnBrk="1" latinLnBrk="0" hangingPunct="1">
+      <a:lvl2pPr marL="742931" indent="-285743" algn="l" defTabSz="914378" rtl="0" eaLnBrk="1" latinLnBrk="0" hangingPunct="1">
         <a:spcBef>
           <a:spcPct val="20000"/>
         </a:spcBef>
@@ -2854,7 +2930,7 @@
           <a:cs typeface="+mn-cs"/>
         </a:defRPr>
       </a:lvl2pPr>
-      <a:lvl3pPr marL="1143000" indent="-228600" algn="l" defTabSz="914400" rtl="0" eaLnBrk="1" latinLnBrk="0" hangingPunct="1">
+      <a:lvl3pPr marL="1142972" indent="-228594" algn="l" defTabSz="914378" rtl="0" eaLnBrk="1" latinLnBrk="0" hangingPunct="1">
         <a:spcBef>
           <a:spcPct val="20000"/>
         </a:spcBef>
@@ -2869,7 +2945,7 @@
           <a:cs typeface="+mn-cs"/>
         </a:defRPr>
       </a:lvl3pPr>
-      <a:lvl4pPr marL="1600200" indent="-228600" algn="l" defTabSz="914400" rtl="0" eaLnBrk="1" latinLnBrk="0" hangingPunct="1">
+      <a:lvl4pPr marL="1600160" indent="-228594" algn="l" defTabSz="914378" rtl="0" eaLnBrk="1" latinLnBrk="0" hangingPunct="1">
         <a:spcBef>
           <a:spcPct val="20000"/>
         </a:spcBef>
@@ -2884,7 +2960,7 @@
           <a:cs typeface="+mn-cs"/>
         </a:defRPr>
       </a:lvl4pPr>
-      <a:lvl5pPr marL="2057400" indent="-228600" algn="l" defTabSz="914400" rtl="0" eaLnBrk="1" latinLnBrk="0" hangingPunct="1">
+      <a:lvl5pPr marL="2057348" indent="-228594" algn="l" defTabSz="914378" rtl="0" eaLnBrk="1" latinLnBrk="0" hangingPunct="1">
         <a:spcBef>
           <a:spcPct val="20000"/>
         </a:spcBef>
@@ -2899,7 +2975,7 @@
           <a:cs typeface="+mn-cs"/>
         </a:defRPr>
       </a:lvl5pPr>
-      <a:lvl6pPr marL="2514600" indent="-228600" algn="l" defTabSz="914400" rtl="0" eaLnBrk="1" latinLnBrk="0" hangingPunct="1">
+      <a:lvl6pPr marL="2514537" indent="-228594" algn="l" defTabSz="914378" rtl="0" eaLnBrk="1" latinLnBrk="0" hangingPunct="1">
         <a:spcBef>
           <a:spcPct val="20000"/>
         </a:spcBef>
@@ -2914,7 +2990,7 @@
           <a:cs typeface="+mn-cs"/>
         </a:defRPr>
       </a:lvl6pPr>
-      <a:lvl7pPr marL="2971800" indent="-228600" algn="l" defTabSz="914400" rtl="0" eaLnBrk="1" latinLnBrk="0" hangingPunct="1">
+      <a:lvl7pPr marL="2971726" indent="-228594" algn="l" defTabSz="914378" rtl="0" eaLnBrk="1" latinLnBrk="0" hangingPunct="1">
         <a:spcBef>
           <a:spcPct val="20000"/>
         </a:spcBef>
@@ -2929,7 +3005,7 @@
           <a:cs typeface="+mn-cs"/>
         </a:defRPr>
       </a:lvl7pPr>
-      <a:lvl8pPr marL="3429000" indent="-228600" algn="l" defTabSz="914400" rtl="0" eaLnBrk="1" latinLnBrk="0" hangingPunct="1">
+      <a:lvl8pPr marL="3428915" indent="-228594" algn="l" defTabSz="914378" rtl="0" eaLnBrk="1" latinLnBrk="0" hangingPunct="1">
         <a:spcBef>
           <a:spcPct val="20000"/>
         </a:spcBef>
@@ -2944,7 +3020,7 @@
           <a:cs typeface="+mn-cs"/>
         </a:defRPr>
       </a:lvl8pPr>
-      <a:lvl9pPr marL="3886200" indent="-228600" algn="l" defTabSz="914400" rtl="0" eaLnBrk="1" latinLnBrk="0" hangingPunct="1">
+      <a:lvl9pPr marL="3886103" indent="-228594" algn="l" defTabSz="914378" rtl="0" eaLnBrk="1" latinLnBrk="0" hangingPunct="1">
         <a:spcBef>
           <a:spcPct val="20000"/>
         </a:spcBef>
@@ -2964,7 +3040,7 @@
       <a:defPPr>
         <a:defRPr lang="zh-TW"/>
       </a:defPPr>
-      <a:lvl1pPr marL="0" algn="l" defTabSz="914400" rtl="0" eaLnBrk="1" latinLnBrk="0" hangingPunct="1">
+      <a:lvl1pPr marL="0" algn="l" defTabSz="914378" rtl="0" eaLnBrk="1" latinLnBrk="0" hangingPunct="1">
         <a:defRPr sz="1800" kern="1200">
           <a:solidFill>
             <a:schemeClr val="tx1"/>
@@ -2974,7 +3050,7 @@
           <a:cs typeface="+mn-cs"/>
         </a:defRPr>
       </a:lvl1pPr>
-      <a:lvl2pPr marL="457200" algn="l" defTabSz="914400" rtl="0" eaLnBrk="1" latinLnBrk="0" hangingPunct="1">
+      <a:lvl2pPr marL="457189" algn="l" defTabSz="914378" rtl="0" eaLnBrk="1" latinLnBrk="0" hangingPunct="1">
         <a:defRPr sz="1800" kern="1200">
           <a:solidFill>
             <a:schemeClr val="tx1"/>
@@ -2984,7 +3060,7 @@
           <a:cs typeface="+mn-cs"/>
         </a:defRPr>
       </a:lvl2pPr>
-      <a:lvl3pPr marL="914400" algn="l" defTabSz="914400" rtl="0" eaLnBrk="1" latinLnBrk="0" hangingPunct="1">
+      <a:lvl3pPr marL="914378" algn="l" defTabSz="914378" rtl="0" eaLnBrk="1" latinLnBrk="0" hangingPunct="1">
         <a:defRPr sz="1800" kern="1200">
           <a:solidFill>
             <a:schemeClr val="tx1"/>
@@ -2994,7 +3070,7 @@
           <a:cs typeface="+mn-cs"/>
         </a:defRPr>
       </a:lvl3pPr>
-      <a:lvl4pPr marL="1371600" algn="l" defTabSz="914400" rtl="0" eaLnBrk="1" latinLnBrk="0" hangingPunct="1">
+      <a:lvl4pPr marL="1371566" algn="l" defTabSz="914378" rtl="0" eaLnBrk="1" latinLnBrk="0" hangingPunct="1">
         <a:defRPr sz="1800" kern="1200">
           <a:solidFill>
             <a:schemeClr val="tx1"/>
@@ -3004,7 +3080,7 @@
           <a:cs typeface="+mn-cs"/>
         </a:defRPr>
       </a:lvl4pPr>
-      <a:lvl5pPr marL="1828800" algn="l" defTabSz="914400" rtl="0" eaLnBrk="1" latinLnBrk="0" hangingPunct="1">
+      <a:lvl5pPr marL="1828754" algn="l" defTabSz="914378" rtl="0" eaLnBrk="1" latinLnBrk="0" hangingPunct="1">
         <a:defRPr sz="1800" kern="1200">
           <a:solidFill>
             <a:schemeClr val="tx1"/>
@@ -3014,7 +3090,7 @@
           <a:cs typeface="+mn-cs"/>
         </a:defRPr>
       </a:lvl5pPr>
-      <a:lvl6pPr marL="2286000" algn="l" defTabSz="914400" rtl="0" eaLnBrk="1" latinLnBrk="0" hangingPunct="1">
+      <a:lvl6pPr marL="2285943" algn="l" defTabSz="914378" rtl="0" eaLnBrk="1" latinLnBrk="0" hangingPunct="1">
         <a:defRPr sz="1800" kern="1200">
           <a:solidFill>
             <a:schemeClr val="tx1"/>
@@ -3024,7 +3100,7 @@
           <a:cs typeface="+mn-cs"/>
         </a:defRPr>
       </a:lvl6pPr>
-      <a:lvl7pPr marL="2743200" algn="l" defTabSz="914400" rtl="0" eaLnBrk="1" latinLnBrk="0" hangingPunct="1">
+      <a:lvl7pPr marL="2743132" algn="l" defTabSz="914378" rtl="0" eaLnBrk="1" latinLnBrk="0" hangingPunct="1">
         <a:defRPr sz="1800" kern="1200">
           <a:solidFill>
             <a:schemeClr val="tx1"/>
@@ -3034,7 +3110,7 @@
           <a:cs typeface="+mn-cs"/>
         </a:defRPr>
       </a:lvl7pPr>
-      <a:lvl8pPr marL="3200400" algn="l" defTabSz="914400" rtl="0" eaLnBrk="1" latinLnBrk="0" hangingPunct="1">
+      <a:lvl8pPr marL="3200320" algn="l" defTabSz="914378" rtl="0" eaLnBrk="1" latinLnBrk="0" hangingPunct="1">
         <a:defRPr sz="1800" kern="1200">
           <a:solidFill>
             <a:schemeClr val="tx1"/>
@@ -3044,7 +3120,7 @@
           <a:cs typeface="+mn-cs"/>
         </a:defRPr>
       </a:lvl8pPr>
-      <a:lvl9pPr marL="3657600" algn="l" defTabSz="914400" rtl="0" eaLnBrk="1" latinLnBrk="0" hangingPunct="1">
+      <a:lvl9pPr marL="3657509" algn="l" defTabSz="914378" rtl="0" eaLnBrk="1" latinLnBrk="0" hangingPunct="1">
         <a:defRPr sz="1800" kern="1200">
           <a:solidFill>
             <a:schemeClr val="tx1"/>
@@ -3078,7 +3154,7 @@
       </p:grpSpPr>
       <p:sp>
         <p:nvSpPr>
-          <p:cNvPr id="2" name="標題 1"/>
+          <p:cNvPr id="4" name="標題 3"/>
           <p:cNvSpPr>
             <a:spLocks noGrp="1"/>
           </p:cNvSpPr>
@@ -3086,215 +3162,82 @@
             <p:ph type="title"/>
           </p:nvPr>
         </p:nvSpPr>
-        <p:spPr/>
-        <p:txBody>
-          <a:bodyPr/>
-          <a:lstStyle/>
-          <a:p>
-            <a:r>
-              <a:rPr lang="zh-TW" altLang="en-US" b="1" dirty="0">
+        <p:spPr>
+          <a:xfrm>
+            <a:off x="0" y="2857513"/>
+            <a:ext cx="12192000" cy="1143000"/>
+          </a:xfrm>
+        </p:spPr>
+        <p:txBody>
+          <a:bodyPr>
+            <a:noAutofit/>
+          </a:bodyPr>
+          <a:lstStyle/>
+          <a:p>
+            <a:r>
+              <a:rPr lang="zh-TW" altLang="en-US" sz="7200" b="1" i="1" dirty="0">
                 <a:solidFill>
-                  <a:srgbClr val="000066"/>
+                  <a:srgbClr val="660033"/>
                 </a:solidFill>
+                <a:effectLst>
+                  <a:outerShdw blurRad="38100" dist="38100" dir="2700000" algn="tl">
+                    <a:srgbClr val="000000">
+                      <a:alpha val="43137"/>
+                    </a:srgbClr>
+                  </a:outerShdw>
+                </a:effectLst>
                 <a:latin typeface="微軟正黑體" pitchFamily="34" charset="-120"/>
                 <a:ea typeface="微軟正黑體" pitchFamily="34" charset="-120"/>
               </a:rPr>
-              <a:t>在你寶座前</a:t>
-            </a:r>
-          </a:p>
-        </p:txBody>
-      </p:sp>
-      <p:sp>
-        <p:nvSpPr>
-          <p:cNvPr id="3" name="內容版面配置區 2"/>
-          <p:cNvSpPr>
-            <a:spLocks noGrp="1"/>
-          </p:cNvSpPr>
-          <p:nvPr>
-            <p:ph idx="1"/>
-          </p:nvPr>
-        </p:nvSpPr>
-        <p:spPr>
-          <a:xfrm>
-            <a:off x="0" y="1600200"/>
-            <a:ext cx="9144000" cy="4525963"/>
-          </a:xfrm>
-        </p:spPr>
-        <p:txBody>
-          <a:bodyPr anchor="ctr">
-            <a:normAutofit/>
-          </a:bodyPr>
-          <a:lstStyle/>
-          <a:p>
-            <a:pPr algn="ctr">
-              <a:buNone/>
-            </a:pPr>
-            <a:r>
-              <a:rPr lang="zh-TW" altLang="en-US" sz="5400" b="1" dirty="0">
+              <a:t>在</a:t>
+            </a:r>
+            <a:r>
+              <a:rPr lang="zh-CN" altLang="en-US" sz="7200" b="1" i="1" dirty="0">
                 <a:solidFill>
-                  <a:srgbClr val="000066"/>
+                  <a:srgbClr val="660033"/>
                 </a:solidFill>
+                <a:effectLst>
+                  <a:outerShdw blurRad="38100" dist="38100" dir="2700000" algn="tl">
+                    <a:srgbClr val="000000">
+                      <a:alpha val="43137"/>
+                    </a:srgbClr>
+                  </a:outerShdw>
+                </a:effectLst>
                 <a:latin typeface="微軟正黑體" pitchFamily="34" charset="-120"/>
                 <a:ea typeface="微軟正黑體" pitchFamily="34" charset="-120"/>
               </a:rPr>
-              <a:t>在你寶座</a:t>
-            </a:r>
-            <a:r>
-              <a:rPr lang="zh-TW" altLang="en-US" sz="5400" b="1" dirty="0" smtClean="0">
+              <a:t>袮</a:t>
+            </a:r>
+            <a:r>
+              <a:rPr lang="zh-TW" altLang="en-US" sz="7200" b="1" i="1" dirty="0">
                 <a:solidFill>
-                  <a:srgbClr val="000066"/>
+                  <a:srgbClr val="660033"/>
                 </a:solidFill>
+                <a:effectLst>
+                  <a:outerShdw blurRad="38100" dist="38100" dir="2700000" algn="tl">
+                    <a:srgbClr val="000000">
+                      <a:alpha val="43137"/>
+                    </a:srgbClr>
+                  </a:outerShdw>
+                </a:effectLst>
                 <a:latin typeface="微軟正黑體" pitchFamily="34" charset="-120"/>
                 <a:ea typeface="微軟正黑體" pitchFamily="34" charset="-120"/>
               </a:rPr>
-              <a:t>前  我</a:t>
-            </a:r>
-            <a:r>
-              <a:rPr lang="zh-TW" altLang="en-US" sz="5400" b="1" dirty="0">
-                <a:solidFill>
-                  <a:srgbClr val="000066"/>
-                </a:solidFill>
-                <a:latin typeface="微軟正黑體" pitchFamily="34" charset="-120"/>
-                <a:ea typeface="微軟正黑體" pitchFamily="34" charset="-120"/>
-              </a:rPr>
-              <a:t>獻上我的</a:t>
-            </a:r>
-            <a:r>
-              <a:rPr lang="zh-TW" altLang="en-US" sz="5400" b="1" dirty="0" smtClean="0">
-                <a:solidFill>
-                  <a:srgbClr val="000066"/>
-                </a:solidFill>
-                <a:latin typeface="微軟正黑體" pitchFamily="34" charset="-120"/>
-                <a:ea typeface="微軟正黑體" pitchFamily="34" charset="-120"/>
-              </a:rPr>
-              <a:t>敬拜</a:t>
-            </a:r>
-            <a:endParaRPr lang="en-US" altLang="zh-TW" sz="5400" b="1" dirty="0">
-              <a:solidFill>
-                <a:srgbClr val="000066"/>
-              </a:solidFill>
-              <a:latin typeface="微軟正黑體" pitchFamily="34" charset="-120"/>
-              <a:ea typeface="微軟正黑體" pitchFamily="34" charset="-120"/>
-            </a:endParaRPr>
-          </a:p>
-          <a:p>
-            <a:pPr algn="ctr">
-              <a:buNone/>
-            </a:pPr>
-            <a:r>
-              <a:rPr lang="zh-TW" altLang="en-US" sz="5400" b="1" dirty="0" smtClean="0">
-                <a:solidFill>
-                  <a:srgbClr val="000066"/>
-                </a:solidFill>
-                <a:latin typeface="微軟正黑體" pitchFamily="34" charset="-120"/>
-                <a:ea typeface="微軟正黑體" pitchFamily="34" charset="-120"/>
-              </a:rPr>
-              <a:t>我</a:t>
-            </a:r>
-            <a:r>
-              <a:rPr lang="zh-TW" altLang="en-US" sz="5400" b="1" dirty="0">
-                <a:solidFill>
-                  <a:srgbClr val="000066"/>
-                </a:solidFill>
-                <a:latin typeface="微軟正黑體" pitchFamily="34" charset="-120"/>
-                <a:ea typeface="微軟正黑體" pitchFamily="34" charset="-120"/>
-              </a:rPr>
-              <a:t>高舉</a:t>
-            </a:r>
-            <a:r>
-              <a:rPr lang="zh-TW" altLang="en-US" sz="5400" b="1" dirty="0" smtClean="0">
-                <a:solidFill>
-                  <a:srgbClr val="000066"/>
-                </a:solidFill>
-                <a:latin typeface="微軟正黑體" pitchFamily="34" charset="-120"/>
-                <a:ea typeface="微軟正黑體" pitchFamily="34" charset="-120"/>
-              </a:rPr>
-              <a:t>雙手  揚聲</a:t>
-            </a:r>
-            <a:r>
-              <a:rPr lang="zh-TW" altLang="en-US" sz="5400" b="1" dirty="0">
-                <a:solidFill>
-                  <a:srgbClr val="000066"/>
-                </a:solidFill>
-                <a:latin typeface="微軟正黑體" pitchFamily="34" charset="-120"/>
-                <a:ea typeface="微軟正黑體" pitchFamily="34" charset="-120"/>
-              </a:rPr>
-              <a:t>敬</a:t>
-            </a:r>
-            <a:r>
-              <a:rPr lang="zh-TW" altLang="en-US" sz="5400" b="1" dirty="0" smtClean="0">
-                <a:solidFill>
-                  <a:srgbClr val="000066"/>
-                </a:solidFill>
-                <a:latin typeface="微軟正黑體" pitchFamily="34" charset="-120"/>
-                <a:ea typeface="微軟正黑體" pitchFamily="34" charset="-120"/>
-              </a:rPr>
-              <a:t>拜</a:t>
-            </a:r>
-            <a:endParaRPr lang="en-US" altLang="zh-TW" sz="5400" b="1" dirty="0">
-              <a:solidFill>
-                <a:srgbClr val="000066"/>
-              </a:solidFill>
-              <a:latin typeface="微軟正黑體" pitchFamily="34" charset="-120"/>
-              <a:ea typeface="微軟正黑體" pitchFamily="34" charset="-120"/>
-            </a:endParaRPr>
-          </a:p>
-          <a:p>
-            <a:pPr algn="ctr">
-              <a:buNone/>
-            </a:pPr>
-            <a:r>
-              <a:rPr lang="zh-TW" altLang="en-US" sz="5400" b="1" dirty="0" smtClean="0">
-                <a:solidFill>
-                  <a:srgbClr val="000066"/>
-                </a:solidFill>
-                <a:latin typeface="微軟正黑體" pitchFamily="34" charset="-120"/>
-                <a:ea typeface="微軟正黑體" pitchFamily="34" charset="-120"/>
-              </a:rPr>
-              <a:t>願</a:t>
-            </a:r>
-            <a:r>
-              <a:rPr lang="zh-TW" altLang="en-US" sz="5400" b="1" dirty="0">
-                <a:solidFill>
-                  <a:srgbClr val="000066"/>
-                </a:solidFill>
-                <a:latin typeface="微軟正黑體" pitchFamily="34" charset="-120"/>
-                <a:ea typeface="微軟正黑體" pitchFamily="34" charset="-120"/>
-              </a:rPr>
-              <a:t>救恩歸於寶座上的</a:t>
-            </a:r>
-            <a:r>
-              <a:rPr lang="zh-TW" altLang="en-US" sz="5400" b="1" dirty="0" smtClean="0">
-                <a:solidFill>
-                  <a:srgbClr val="000066"/>
-                </a:solidFill>
-                <a:latin typeface="微軟正黑體" pitchFamily="34" charset="-120"/>
-                <a:ea typeface="微軟正黑體" pitchFamily="34" charset="-120"/>
-              </a:rPr>
-              <a:t>神</a:t>
-            </a:r>
-            <a:endParaRPr lang="zh-TW" altLang="en-US" sz="5400" b="1" dirty="0">
-              <a:solidFill>
-                <a:srgbClr val="000066"/>
-              </a:solidFill>
-              <a:latin typeface="微軟正黑體" pitchFamily="34" charset="-120"/>
-              <a:ea typeface="微軟正黑體" pitchFamily="34" charset="-120"/>
-            </a:endParaRPr>
+              <a:t>寶座前</a:t>
+            </a:r>
           </a:p>
         </p:txBody>
       </p:sp>
     </p:spTree>
+    <p:extLst>
+      <p:ext uri="{BB962C8B-B14F-4D97-AF65-F5344CB8AC3E}">
+        <p14:creationId xmlns:p14="http://schemas.microsoft.com/office/powerpoint/2010/main" val="3738475865"/>
+      </p:ext>
+    </p:extLst>
   </p:cSld>
   <p:clrMapOvr>
     <a:masterClrMapping/>
   </p:clrMapOvr>
-  <p:timing>
-    <p:tnLst>
-      <p:par>
-        <p:cTn id="1" dur="indefinite" restart="never" nodeType="tmRoot"/>
-      </p:par>
-    </p:tnLst>
-  </p:timing>
 </p:sld>
 </file>
 
@@ -3317,166 +3260,101 @@
       </p:grpSpPr>
       <p:sp>
         <p:nvSpPr>
-          <p:cNvPr id="2" name="標題 1"/>
-          <p:cNvSpPr>
-            <a:spLocks noGrp="1"/>
-          </p:cNvSpPr>
-          <p:nvPr>
-            <p:ph type="title"/>
-          </p:nvPr>
-        </p:nvSpPr>
-        <p:spPr/>
-        <p:txBody>
-          <a:bodyPr/>
-          <a:lstStyle/>
-          <a:p>
-            <a:r>
-              <a:rPr lang="zh-TW" altLang="en-US" b="1" dirty="0">
+          <p:cNvPr id="5" name="內容版面配置區 4"/>
+          <p:cNvSpPr>
+            <a:spLocks noGrp="1"/>
+          </p:cNvSpPr>
+          <p:nvPr>
+            <p:ph idx="1"/>
+          </p:nvPr>
+        </p:nvSpPr>
+        <p:spPr>
+          <a:xfrm>
+            <a:off x="0" y="2084851"/>
+            <a:ext cx="12192000" cy="2404863"/>
+          </a:xfrm>
+        </p:spPr>
+        <p:txBody>
+          <a:bodyPr anchor="ctr">
+            <a:normAutofit/>
+          </a:bodyPr>
+          <a:lstStyle/>
+          <a:p>
+            <a:pPr algn="ctr">
+              <a:buNone/>
+            </a:pPr>
+            <a:r>
+              <a:rPr lang="zh-TW" altLang="en-US" sz="6400" b="1" dirty="0">
                 <a:solidFill>
-                  <a:srgbClr val="000066"/>
+                  <a:srgbClr val="660033"/>
                 </a:solidFill>
                 <a:latin typeface="微軟正黑體" pitchFamily="34" charset="-120"/>
                 <a:ea typeface="微軟正黑體" pitchFamily="34" charset="-120"/>
               </a:rPr>
-              <a:t>在你寶座前</a:t>
-            </a:r>
-          </a:p>
-        </p:txBody>
-      </p:sp>
-      <p:sp>
-        <p:nvSpPr>
-          <p:cNvPr id="3" name="內容版面配置區 2"/>
-          <p:cNvSpPr>
-            <a:spLocks noGrp="1"/>
-          </p:cNvSpPr>
-          <p:nvPr>
-            <p:ph idx="1"/>
-          </p:nvPr>
-        </p:nvSpPr>
-        <p:spPr>
-          <a:xfrm>
-            <a:off x="0" y="1600200"/>
-            <a:ext cx="9144000" cy="4525963"/>
-          </a:xfrm>
-        </p:spPr>
-        <p:txBody>
-          <a:bodyPr anchor="ctr">
-            <a:normAutofit/>
-          </a:bodyPr>
-          <a:lstStyle/>
-          <a:p>
-            <a:pPr algn="ctr">
-              <a:buNone/>
-            </a:pPr>
-            <a:r>
-              <a:rPr lang="zh-TW" altLang="en-US" sz="5400" b="1" dirty="0">
+              <a:t>在</a:t>
+            </a:r>
+            <a:r>
+              <a:rPr lang="zh-CN" altLang="en-US" sz="6400" b="1" dirty="0">
                 <a:solidFill>
-                  <a:srgbClr val="000066"/>
+                  <a:srgbClr val="660033"/>
                 </a:solidFill>
                 <a:latin typeface="微軟正黑體" pitchFamily="34" charset="-120"/>
                 <a:ea typeface="微軟正黑體" pitchFamily="34" charset="-120"/>
               </a:rPr>
-              <a:t>在你寶座</a:t>
-            </a:r>
-            <a:r>
-              <a:rPr lang="zh-TW" altLang="en-US" sz="5400" b="1" dirty="0" smtClean="0">
+              <a:t>袮</a:t>
+            </a:r>
+            <a:r>
+              <a:rPr lang="zh-TW" altLang="en-US" sz="6400" b="1" dirty="0">
                 <a:solidFill>
-                  <a:srgbClr val="000066"/>
+                  <a:srgbClr val="660033"/>
                 </a:solidFill>
                 <a:latin typeface="微軟正黑體" pitchFamily="34" charset="-120"/>
                 <a:ea typeface="微軟正黑體" pitchFamily="34" charset="-120"/>
               </a:rPr>
-              <a:t>前</a:t>
-            </a:r>
-            <a:r>
-              <a:rPr lang="en-US" altLang="zh-TW" sz="5400" b="1" dirty="0" smtClean="0">
+              <a:t>寶座前  </a:t>
+            </a:r>
+            <a:endParaRPr lang="en-US" altLang="zh-TW" sz="6400" b="1" dirty="0">
+              <a:solidFill>
+                <a:srgbClr val="660033"/>
+              </a:solidFill>
+              <a:latin typeface="微軟正黑體" pitchFamily="34" charset="-120"/>
+              <a:ea typeface="微軟正黑體" pitchFamily="34" charset="-120"/>
+            </a:endParaRPr>
+          </a:p>
+          <a:p>
+            <a:pPr algn="ctr">
+              <a:buNone/>
+            </a:pPr>
+            <a:r>
+              <a:rPr lang="zh-TW" altLang="en-US" sz="6400" b="1" dirty="0">
                 <a:solidFill>
-                  <a:srgbClr val="000066"/>
+                  <a:srgbClr val="660033"/>
                 </a:solidFill>
                 <a:latin typeface="微軟正黑體" pitchFamily="34" charset="-120"/>
                 <a:ea typeface="微軟正黑體" pitchFamily="34" charset="-120"/>
               </a:rPr>
-              <a:t>  </a:t>
-            </a:r>
-            <a:r>
-              <a:rPr lang="zh-TW" altLang="en-US" sz="5400" b="1" dirty="0" smtClean="0">
-                <a:solidFill>
-                  <a:srgbClr val="000066"/>
-                </a:solidFill>
-                <a:latin typeface="微軟正黑體" pitchFamily="34" charset="-120"/>
-                <a:ea typeface="微軟正黑體" pitchFamily="34" charset="-120"/>
-              </a:rPr>
-              <a:t>眾</a:t>
-            </a:r>
-            <a:r>
-              <a:rPr lang="zh-TW" altLang="en-US" sz="5400" b="1" dirty="0">
-                <a:solidFill>
-                  <a:srgbClr val="000066"/>
-                </a:solidFill>
-                <a:latin typeface="微軟正黑體" pitchFamily="34" charset="-120"/>
-                <a:ea typeface="微軟正黑體" pitchFamily="34" charset="-120"/>
-              </a:rPr>
-              <a:t>天使俯伏敬拜</a:t>
-            </a:r>
-            <a:endParaRPr lang="en-US" altLang="zh-TW" sz="5400" b="1" dirty="0">
+              <a:t>我獻上我的敬拜</a:t>
+            </a:r>
+            <a:endParaRPr lang="en-US" altLang="zh-TW" sz="6400" b="1" dirty="0">
               <a:solidFill>
-                <a:srgbClr val="000066"/>
+                <a:srgbClr val="660033"/>
               </a:solidFill>
               <a:latin typeface="微軟正黑體" pitchFamily="34" charset="-120"/>
               <a:ea typeface="微軟正黑體" pitchFamily="34" charset="-120"/>
             </a:endParaRPr>
           </a:p>
-          <a:p>
-            <a:pPr algn="ctr">
-              <a:buNone/>
-            </a:pPr>
-            <a:r>
-              <a:rPr lang="zh-TW" altLang="en-US" sz="5400" b="1" dirty="0">
-                <a:solidFill>
-                  <a:srgbClr val="000066"/>
-                </a:solidFill>
-                <a:latin typeface="微軟正黑體" pitchFamily="34" charset="-120"/>
-                <a:ea typeface="微軟正黑體" pitchFamily="34" charset="-120"/>
-              </a:rPr>
-              <a:t>讓萬國萬邦在天上說</a:t>
-            </a:r>
-            <a:endParaRPr lang="en-US" altLang="zh-TW" sz="5400" b="1" dirty="0">
-              <a:solidFill>
-                <a:srgbClr val="000066"/>
-              </a:solidFill>
-              <a:latin typeface="微軟正黑體" pitchFamily="34" charset="-120"/>
-              <a:ea typeface="微軟正黑體" pitchFamily="34" charset="-120"/>
-            </a:endParaRPr>
-          </a:p>
-          <a:p>
-            <a:pPr algn="ctr">
-              <a:buNone/>
-            </a:pPr>
-            <a:r>
-              <a:rPr lang="zh-TW" altLang="en-US" sz="5400" b="1" dirty="0">
-                <a:solidFill>
-                  <a:srgbClr val="000066"/>
-                </a:solidFill>
-                <a:latin typeface="微軟正黑體" pitchFamily="34" charset="-120"/>
-                <a:ea typeface="微軟正黑體" pitchFamily="34" charset="-120"/>
-              </a:rPr>
-              <a:t>願救恩歸於寶座上的神</a:t>
-            </a:r>
-          </a:p>
         </p:txBody>
       </p:sp>
     </p:spTree>
+    <p:extLst>
+      <p:ext uri="{BB962C8B-B14F-4D97-AF65-F5344CB8AC3E}">
+        <p14:creationId xmlns:p14="http://schemas.microsoft.com/office/powerpoint/2010/main" val="2430792780"/>
+      </p:ext>
+    </p:extLst>
   </p:cSld>
   <p:clrMapOvr>
     <a:masterClrMapping/>
   </p:clrMapOvr>
-  <p:timing>
-    <p:tnLst>
-      <p:par>
-        <p:cTn id="1" dur="indefinite" restart="never" nodeType="tmRoot"/>
-      </p:par>
-    </p:tnLst>
-  </p:timing>
 </p:sld>
 </file>
 
@@ -3499,243 +3377,81 @@
       </p:grpSpPr>
       <p:sp>
         <p:nvSpPr>
-          <p:cNvPr id="2" name="標題 1"/>
-          <p:cNvSpPr>
-            <a:spLocks noGrp="1"/>
-          </p:cNvSpPr>
-          <p:nvPr>
-            <p:ph type="title"/>
-          </p:nvPr>
-        </p:nvSpPr>
-        <p:spPr/>
-        <p:txBody>
-          <a:bodyPr/>
-          <a:lstStyle/>
-          <a:p>
-            <a:r>
-              <a:rPr lang="zh-TW" altLang="en-US" b="1" dirty="0">
+          <p:cNvPr id="5" name="內容版面配置區 4"/>
+          <p:cNvSpPr>
+            <a:spLocks noGrp="1"/>
+          </p:cNvSpPr>
+          <p:nvPr>
+            <p:ph idx="1"/>
+          </p:nvPr>
+        </p:nvSpPr>
+        <p:spPr>
+          <a:xfrm>
+            <a:off x="0" y="2084851"/>
+            <a:ext cx="12192000" cy="2404863"/>
+          </a:xfrm>
+        </p:spPr>
+        <p:txBody>
+          <a:bodyPr anchor="ctr">
+            <a:normAutofit/>
+          </a:bodyPr>
+          <a:lstStyle/>
+          <a:p>
+            <a:pPr algn="ctr">
+              <a:buNone/>
+            </a:pPr>
+            <a:r>
+              <a:rPr lang="zh-TW" altLang="en-US" sz="6400" b="1" dirty="0">
                 <a:solidFill>
-                  <a:srgbClr val="000066"/>
+                  <a:srgbClr val="660033"/>
                 </a:solidFill>
                 <a:latin typeface="微軟正黑體" pitchFamily="34" charset="-120"/>
                 <a:ea typeface="微軟正黑體" pitchFamily="34" charset="-120"/>
               </a:rPr>
-              <a:t>在你寶座前</a:t>
-            </a:r>
-          </a:p>
-        </p:txBody>
-      </p:sp>
-      <p:sp>
-        <p:nvSpPr>
-          <p:cNvPr id="3" name="內容版面配置區 2"/>
-          <p:cNvSpPr>
-            <a:spLocks noGrp="1"/>
-          </p:cNvSpPr>
-          <p:nvPr>
-            <p:ph idx="1"/>
-          </p:nvPr>
-        </p:nvSpPr>
-        <p:spPr>
-          <a:xfrm>
-            <a:off x="0" y="1600200"/>
-            <a:ext cx="9144000" cy="4525963"/>
-          </a:xfrm>
-        </p:spPr>
-        <p:txBody>
-          <a:bodyPr anchor="ctr">
-            <a:normAutofit/>
-          </a:bodyPr>
-          <a:lstStyle/>
+              <a:t>我高舉雙手  揚聲敬拜</a:t>
+            </a:r>
+            <a:endParaRPr lang="en-US" altLang="zh-TW" sz="6400" b="1" dirty="0">
+              <a:solidFill>
+                <a:srgbClr val="660033"/>
+              </a:solidFill>
+              <a:latin typeface="微軟正黑體" pitchFamily="34" charset="-120"/>
+              <a:ea typeface="微軟正黑體" pitchFamily="34" charset="-120"/>
+            </a:endParaRPr>
+          </a:p>
           <a:p>
             <a:pPr algn="ctr">
               <a:buNone/>
             </a:pPr>
             <a:r>
-              <a:rPr lang="zh-TW" altLang="en-US" sz="5400" b="1" dirty="0">
+              <a:rPr lang="zh-TW" altLang="en-US" sz="6400" b="1" dirty="0">
                 <a:solidFill>
-                  <a:srgbClr val="000066"/>
+                  <a:srgbClr val="660033"/>
                 </a:solidFill>
                 <a:latin typeface="微軟正黑體" pitchFamily="34" charset="-120"/>
                 <a:ea typeface="微軟正黑體" pitchFamily="34" charset="-120"/>
               </a:rPr>
-              <a:t>哈利路</a:t>
-            </a:r>
-            <a:r>
-              <a:rPr lang="zh-TW" altLang="en-US" sz="5400" b="1" dirty="0" smtClean="0">
-                <a:solidFill>
-                  <a:srgbClr val="000066"/>
-                </a:solidFill>
-                <a:latin typeface="微軟正黑體" pitchFamily="34" charset="-120"/>
-                <a:ea typeface="微軟正黑體" pitchFamily="34" charset="-120"/>
-              </a:rPr>
-              <a:t>亞  哈</a:t>
-            </a:r>
-            <a:r>
-              <a:rPr lang="zh-TW" altLang="en-US" sz="5400" b="1" dirty="0">
-                <a:solidFill>
-                  <a:srgbClr val="000066"/>
-                </a:solidFill>
-                <a:latin typeface="微軟正黑體" pitchFamily="34" charset="-120"/>
-                <a:ea typeface="微軟正黑體" pitchFamily="34" charset="-120"/>
-              </a:rPr>
-              <a:t>利路</a:t>
-            </a:r>
-            <a:r>
-              <a:rPr lang="zh-TW" altLang="en-US" sz="5400" b="1" dirty="0" smtClean="0">
-                <a:solidFill>
-                  <a:srgbClr val="000066"/>
-                </a:solidFill>
-                <a:latin typeface="微軟正黑體" pitchFamily="34" charset="-120"/>
-                <a:ea typeface="微軟正黑體" pitchFamily="34" charset="-120"/>
-              </a:rPr>
-              <a:t>亞</a:t>
-            </a:r>
-            <a:endParaRPr lang="en-US" altLang="zh-TW" sz="5400" b="1" dirty="0">
+              <a:t>願救恩歸於寶座上的神</a:t>
+            </a:r>
+            <a:endParaRPr lang="zh-TW" altLang="en-US" sz="6400" b="1" dirty="0">
               <a:solidFill>
-                <a:srgbClr val="000066"/>
+                <a:srgbClr val="660033"/>
               </a:solidFill>
               <a:latin typeface="微軟正黑體" pitchFamily="34" charset="-120"/>
               <a:ea typeface="微軟正黑體" pitchFamily="34" charset="-120"/>
             </a:endParaRPr>
           </a:p>
-          <a:p>
-            <a:pPr algn="ctr">
-              <a:buNone/>
-            </a:pPr>
-            <a:r>
-              <a:rPr lang="zh-TW" altLang="en-US" sz="5400" b="1" dirty="0" smtClean="0">
-                <a:solidFill>
-                  <a:srgbClr val="000066"/>
-                </a:solidFill>
-                <a:latin typeface="微軟正黑體" pitchFamily="34" charset="-120"/>
-                <a:ea typeface="微軟正黑體" pitchFamily="34" charset="-120"/>
-              </a:rPr>
-              <a:t>哈</a:t>
-            </a:r>
-            <a:r>
-              <a:rPr lang="zh-TW" altLang="en-US" sz="5400" b="1" dirty="0">
-                <a:solidFill>
-                  <a:srgbClr val="000066"/>
-                </a:solidFill>
-                <a:latin typeface="微軟正黑體" pitchFamily="34" charset="-120"/>
-                <a:ea typeface="微軟正黑體" pitchFamily="34" charset="-120"/>
-              </a:rPr>
-              <a:t>利路</a:t>
-            </a:r>
-            <a:r>
-              <a:rPr lang="zh-TW" altLang="en-US" sz="5400" b="1" dirty="0" smtClean="0">
-                <a:solidFill>
-                  <a:srgbClr val="000066"/>
-                </a:solidFill>
-                <a:latin typeface="微軟正黑體" pitchFamily="34" charset="-120"/>
-                <a:ea typeface="微軟正黑體" pitchFamily="34" charset="-120"/>
-              </a:rPr>
-              <a:t>亞</a:t>
-            </a:r>
-            <a:r>
-              <a:rPr lang="zh-TW" altLang="en-US" sz="5400" b="1" dirty="0">
-                <a:solidFill>
-                  <a:srgbClr val="000066"/>
-                </a:solidFill>
-                <a:latin typeface="微軟正黑體" pitchFamily="34" charset="-120"/>
-                <a:ea typeface="微軟正黑體" pitchFamily="34" charset="-120"/>
-              </a:rPr>
-              <a:t> </a:t>
-            </a:r>
-            <a:r>
-              <a:rPr lang="zh-TW" altLang="en-US" sz="5400" b="1" dirty="0" smtClean="0">
-                <a:solidFill>
-                  <a:srgbClr val="000066"/>
-                </a:solidFill>
-                <a:latin typeface="微軟正黑體" pitchFamily="34" charset="-120"/>
-                <a:ea typeface="微軟正黑體" pitchFamily="34" charset="-120"/>
-              </a:rPr>
-              <a:t> 哈</a:t>
-            </a:r>
-            <a:r>
-              <a:rPr lang="zh-TW" altLang="en-US" sz="5400" b="1" dirty="0">
-                <a:solidFill>
-                  <a:srgbClr val="000066"/>
-                </a:solidFill>
-                <a:latin typeface="微軟正黑體" pitchFamily="34" charset="-120"/>
-                <a:ea typeface="微軟正黑體" pitchFamily="34" charset="-120"/>
-              </a:rPr>
-              <a:t>利路</a:t>
-            </a:r>
-            <a:r>
-              <a:rPr lang="zh-TW" altLang="en-US" sz="5400" b="1" dirty="0" smtClean="0">
-                <a:solidFill>
-                  <a:srgbClr val="000066"/>
-                </a:solidFill>
-                <a:latin typeface="微軟正黑體" pitchFamily="34" charset="-120"/>
-                <a:ea typeface="微軟正黑體" pitchFamily="34" charset="-120"/>
-              </a:rPr>
-              <a:t>亞</a:t>
-            </a:r>
-            <a:endParaRPr lang="en-US" altLang="zh-TW" sz="5400" b="1" dirty="0" smtClean="0">
-              <a:solidFill>
-                <a:srgbClr val="000066"/>
-              </a:solidFill>
-              <a:latin typeface="微軟正黑體" pitchFamily="34" charset="-120"/>
-              <a:ea typeface="微軟正黑體" pitchFamily="34" charset="-120"/>
-            </a:endParaRPr>
-          </a:p>
-          <a:p>
-            <a:pPr algn="ctr">
-              <a:buNone/>
-            </a:pPr>
-            <a:r>
-              <a:rPr lang="zh-TW" altLang="en-US" sz="5400" b="1" dirty="0" smtClean="0">
-                <a:solidFill>
-                  <a:srgbClr val="000066"/>
-                </a:solidFill>
-                <a:latin typeface="微軟正黑體" pitchFamily="34" charset="-120"/>
-                <a:ea typeface="微軟正黑體" pitchFamily="34" charset="-120"/>
-              </a:rPr>
-              <a:t>救</a:t>
-            </a:r>
-            <a:r>
-              <a:rPr lang="zh-TW" altLang="en-US" sz="5400" b="1" dirty="0">
-                <a:solidFill>
-                  <a:srgbClr val="000066"/>
-                </a:solidFill>
-                <a:latin typeface="微軟正黑體" pitchFamily="34" charset="-120"/>
-                <a:ea typeface="微軟正黑體" pitchFamily="34" charset="-120"/>
-              </a:rPr>
-              <a:t>恩榮耀都歸於我們的</a:t>
-            </a:r>
-            <a:r>
-              <a:rPr lang="zh-TW" altLang="en-US" sz="5400" b="1" dirty="0" smtClean="0">
-                <a:solidFill>
-                  <a:srgbClr val="000066"/>
-                </a:solidFill>
-                <a:latin typeface="微軟正黑體" pitchFamily="34" charset="-120"/>
-                <a:ea typeface="微軟正黑體" pitchFamily="34" charset="-120"/>
-              </a:rPr>
-              <a:t>神</a:t>
-            </a:r>
-            <a:endParaRPr lang="zh-TW" altLang="en-US" sz="5400" b="1" dirty="0">
-              <a:solidFill>
-                <a:srgbClr val="000066"/>
-              </a:solidFill>
-              <a:latin typeface="微軟正黑體" pitchFamily="34" charset="-120"/>
-              <a:ea typeface="微軟正黑體" pitchFamily="34" charset="-120"/>
-            </a:endParaRPr>
-          </a:p>
         </p:txBody>
       </p:sp>
     </p:spTree>
+    <p:extLst>
+      <p:ext uri="{BB962C8B-B14F-4D97-AF65-F5344CB8AC3E}">
+        <p14:creationId xmlns:p14="http://schemas.microsoft.com/office/powerpoint/2010/main" val="811008684"/>
+      </p:ext>
+    </p:extLst>
   </p:cSld>
   <p:clrMapOvr>
     <a:masterClrMapping/>
   </p:clrMapOvr>
-  <p:timing>
-    <p:tnLst>
-      <p:par>
-        <p:cTn id="1" dur="indefinite" restart="never" nodeType="tmRoot"/>
-      </p:par>
-    </p:tnLst>
-  </p:timing>
 </p:sld>
 </file>
 
@@ -3758,238 +3474,104 @@
       </p:grpSpPr>
       <p:sp>
         <p:nvSpPr>
-          <p:cNvPr id="2" name="標題 1"/>
-          <p:cNvSpPr>
-            <a:spLocks noGrp="1"/>
-          </p:cNvSpPr>
-          <p:nvPr>
-            <p:ph type="title"/>
-          </p:nvPr>
-        </p:nvSpPr>
-        <p:spPr/>
-        <p:txBody>
-          <a:bodyPr/>
-          <a:lstStyle/>
-          <a:p>
-            <a:r>
-              <a:rPr lang="zh-TW" altLang="en-US" b="1" dirty="0">
+          <p:cNvPr id="5" name="內容版面配置區 4"/>
+          <p:cNvSpPr>
+            <a:spLocks noGrp="1"/>
+          </p:cNvSpPr>
+          <p:nvPr>
+            <p:ph idx="1"/>
+          </p:nvPr>
+        </p:nvSpPr>
+        <p:spPr>
+          <a:xfrm>
+            <a:off x="0" y="2084851"/>
+            <a:ext cx="12192000" cy="2404863"/>
+          </a:xfrm>
+        </p:spPr>
+        <p:txBody>
+          <a:bodyPr anchor="ctr">
+            <a:normAutofit/>
+          </a:bodyPr>
+          <a:lstStyle/>
+          <a:p>
+            <a:pPr algn="ctr">
+              <a:buNone/>
+            </a:pPr>
+            <a:r>
+              <a:rPr lang="zh-TW" altLang="en-US" sz="6400" b="1" dirty="0">
                 <a:solidFill>
-                  <a:srgbClr val="000066"/>
+                  <a:srgbClr val="660033"/>
                 </a:solidFill>
                 <a:latin typeface="微軟正黑體" pitchFamily="34" charset="-120"/>
                 <a:ea typeface="微軟正黑體" pitchFamily="34" charset="-120"/>
               </a:rPr>
-              <a:t>在你寶座前</a:t>
-            </a:r>
-          </a:p>
-        </p:txBody>
-      </p:sp>
-      <p:sp>
-        <p:nvSpPr>
-          <p:cNvPr id="3" name="內容版面配置區 2"/>
-          <p:cNvSpPr>
-            <a:spLocks noGrp="1"/>
-          </p:cNvSpPr>
-          <p:nvPr>
-            <p:ph idx="1"/>
-          </p:nvPr>
-        </p:nvSpPr>
-        <p:spPr>
-          <a:xfrm>
-            <a:off x="0" y="1600200"/>
-            <a:ext cx="9144000" cy="4525963"/>
-          </a:xfrm>
-        </p:spPr>
-        <p:txBody>
-          <a:bodyPr anchor="ctr">
-            <a:normAutofit/>
-          </a:bodyPr>
-          <a:lstStyle/>
-          <a:p>
-            <a:pPr algn="ctr">
-              <a:buNone/>
-            </a:pPr>
-            <a:r>
-              <a:rPr lang="zh-TW" altLang="en-US" sz="5400" b="1" dirty="0">
+              <a:t>在</a:t>
+            </a:r>
+            <a:r>
+              <a:rPr lang="zh-CN" altLang="en-US" sz="6400" b="1" dirty="0">
                 <a:solidFill>
-                  <a:srgbClr val="000066"/>
+                  <a:srgbClr val="660033"/>
                 </a:solidFill>
                 <a:latin typeface="微軟正黑體" pitchFamily="34" charset="-120"/>
                 <a:ea typeface="微軟正黑體" pitchFamily="34" charset="-120"/>
               </a:rPr>
-              <a:t>哈利路</a:t>
-            </a:r>
-            <a:r>
-              <a:rPr lang="zh-TW" altLang="en-US" sz="5400" b="1" dirty="0" smtClean="0">
+              <a:t>袮</a:t>
+            </a:r>
+            <a:r>
+              <a:rPr lang="zh-TW" altLang="en-US" sz="6400" b="1" dirty="0">
                 <a:solidFill>
-                  <a:srgbClr val="000066"/>
+                  <a:srgbClr val="660033"/>
                 </a:solidFill>
                 <a:latin typeface="微軟正黑體" pitchFamily="34" charset="-120"/>
                 <a:ea typeface="微軟正黑體" pitchFamily="34" charset="-120"/>
               </a:rPr>
-              <a:t>亞  哈</a:t>
-            </a:r>
-            <a:r>
-              <a:rPr lang="zh-TW" altLang="en-US" sz="5400" b="1" dirty="0">
+              <a:t>寶座前</a:t>
+            </a:r>
+            <a:r>
+              <a:rPr lang="en-US" altLang="zh-TW" sz="6400" b="1" dirty="0">
                 <a:solidFill>
-                  <a:srgbClr val="000066"/>
+                  <a:srgbClr val="660033"/>
                 </a:solidFill>
                 <a:latin typeface="微軟正黑體" pitchFamily="34" charset="-120"/>
                 <a:ea typeface="微軟正黑體" pitchFamily="34" charset="-120"/>
               </a:rPr>
-              <a:t>利路</a:t>
-            </a:r>
-            <a:r>
-              <a:rPr lang="zh-TW" altLang="en-US" sz="5400" b="1" dirty="0" smtClean="0">
+              <a:t>  </a:t>
+            </a:r>
+          </a:p>
+          <a:p>
+            <a:pPr algn="ctr">
+              <a:buNone/>
+            </a:pPr>
+            <a:r>
+              <a:rPr lang="zh-TW" altLang="en-US" sz="6400" b="1" dirty="0">
                 <a:solidFill>
-                  <a:srgbClr val="000066"/>
+                  <a:srgbClr val="660033"/>
                 </a:solidFill>
                 <a:latin typeface="微軟正黑體" pitchFamily="34" charset="-120"/>
                 <a:ea typeface="微軟正黑體" pitchFamily="34" charset="-120"/>
               </a:rPr>
-              <a:t>亞</a:t>
-            </a:r>
-            <a:endParaRPr lang="en-US" altLang="zh-TW" sz="5400" b="1" dirty="0">
+              <a:t>眾天使俯伏敬拜</a:t>
+            </a:r>
+            <a:endParaRPr lang="en-US" altLang="zh-TW" sz="6400" b="1" dirty="0">
               <a:solidFill>
-                <a:srgbClr val="000066"/>
+                <a:srgbClr val="660033"/>
               </a:solidFill>
               <a:latin typeface="微軟正黑體" pitchFamily="34" charset="-120"/>
               <a:ea typeface="微軟正黑體" pitchFamily="34" charset="-120"/>
             </a:endParaRPr>
           </a:p>
-          <a:p>
-            <a:pPr algn="ctr">
-              <a:buNone/>
-            </a:pPr>
-            <a:r>
-              <a:rPr lang="zh-TW" altLang="en-US" sz="5400" b="1" dirty="0" smtClean="0">
-                <a:solidFill>
-                  <a:srgbClr val="000066"/>
-                </a:solidFill>
-                <a:latin typeface="微軟正黑體" pitchFamily="34" charset="-120"/>
-                <a:ea typeface="微軟正黑體" pitchFamily="34" charset="-120"/>
-              </a:rPr>
-              <a:t>哈</a:t>
-            </a:r>
-            <a:r>
-              <a:rPr lang="zh-TW" altLang="en-US" sz="5400" b="1" dirty="0">
-                <a:solidFill>
-                  <a:srgbClr val="000066"/>
-                </a:solidFill>
-                <a:latin typeface="微軟正黑體" pitchFamily="34" charset="-120"/>
-                <a:ea typeface="微軟正黑體" pitchFamily="34" charset="-120"/>
-              </a:rPr>
-              <a:t>利路</a:t>
-            </a:r>
-            <a:r>
-              <a:rPr lang="zh-TW" altLang="en-US" sz="5400" b="1" dirty="0" smtClean="0">
-                <a:solidFill>
-                  <a:srgbClr val="000066"/>
-                </a:solidFill>
-                <a:latin typeface="微軟正黑體" pitchFamily="34" charset="-120"/>
-                <a:ea typeface="微軟正黑體" pitchFamily="34" charset="-120"/>
-              </a:rPr>
-              <a:t>亞</a:t>
-            </a:r>
-            <a:r>
-              <a:rPr lang="zh-TW" altLang="en-US" sz="5400" b="1" dirty="0">
-                <a:solidFill>
-                  <a:srgbClr val="000066"/>
-                </a:solidFill>
-                <a:latin typeface="微軟正黑體" pitchFamily="34" charset="-120"/>
-                <a:ea typeface="微軟正黑體" pitchFamily="34" charset="-120"/>
-              </a:rPr>
-              <a:t> </a:t>
-            </a:r>
-            <a:r>
-              <a:rPr lang="zh-TW" altLang="en-US" sz="5400" b="1" dirty="0" smtClean="0">
-                <a:solidFill>
-                  <a:srgbClr val="000066"/>
-                </a:solidFill>
-                <a:latin typeface="微軟正黑體" pitchFamily="34" charset="-120"/>
-                <a:ea typeface="微軟正黑體" pitchFamily="34" charset="-120"/>
-              </a:rPr>
-              <a:t> 哈</a:t>
-            </a:r>
-            <a:r>
-              <a:rPr lang="zh-TW" altLang="en-US" sz="5400" b="1" dirty="0">
-                <a:solidFill>
-                  <a:srgbClr val="000066"/>
-                </a:solidFill>
-                <a:latin typeface="微軟正黑體" pitchFamily="34" charset="-120"/>
-                <a:ea typeface="微軟正黑體" pitchFamily="34" charset="-120"/>
-              </a:rPr>
-              <a:t>利路</a:t>
-            </a:r>
-            <a:r>
-              <a:rPr lang="zh-TW" altLang="en-US" sz="5400" b="1" dirty="0" smtClean="0">
-                <a:solidFill>
-                  <a:srgbClr val="000066"/>
-                </a:solidFill>
-                <a:latin typeface="微軟正黑體" pitchFamily="34" charset="-120"/>
-                <a:ea typeface="微軟正黑體" pitchFamily="34" charset="-120"/>
-              </a:rPr>
-              <a:t>亞</a:t>
-            </a:r>
-            <a:endParaRPr lang="en-US" altLang="zh-TW" sz="5400" b="1" dirty="0" smtClean="0">
-              <a:solidFill>
-                <a:srgbClr val="000066"/>
-              </a:solidFill>
-              <a:latin typeface="微軟正黑體" pitchFamily="34" charset="-120"/>
-              <a:ea typeface="微軟正黑體" pitchFamily="34" charset="-120"/>
-            </a:endParaRPr>
-          </a:p>
-          <a:p>
-            <a:pPr algn="ctr">
-              <a:buNone/>
-            </a:pPr>
-            <a:r>
-              <a:rPr lang="zh-TW" altLang="en-US" sz="5400" b="1" dirty="0">
-                <a:solidFill>
-                  <a:srgbClr val="000066"/>
-                </a:solidFill>
-                <a:latin typeface="微軟正黑體" pitchFamily="34" charset="-120"/>
-                <a:ea typeface="微軟正黑體" pitchFamily="34" charset="-120"/>
-              </a:rPr>
-              <a:t>頌讚權能都歸於我們的神</a:t>
-            </a:r>
-            <a:endParaRPr lang="en-US" altLang="zh-TW" sz="5400" b="1" dirty="0">
-              <a:solidFill>
-                <a:srgbClr val="000066"/>
-              </a:solidFill>
-              <a:latin typeface="微軟正黑體" pitchFamily="34" charset="-120"/>
-              <a:ea typeface="微軟正黑體" pitchFamily="34" charset="-120"/>
-            </a:endParaRPr>
-          </a:p>
-          <a:p>
-            <a:pPr algn="ctr">
-              <a:buNone/>
-            </a:pPr>
-            <a:r>
-              <a:rPr lang="zh-TW" altLang="en-US" sz="5400" b="1" dirty="0">
-                <a:solidFill>
-                  <a:srgbClr val="000066"/>
-                </a:solidFill>
-                <a:latin typeface="微軟正黑體" pitchFamily="34" charset="-120"/>
-                <a:ea typeface="微軟正黑體" pitchFamily="34" charset="-120"/>
-              </a:rPr>
-              <a:t>直到永永遠遠</a:t>
-            </a:r>
-          </a:p>
         </p:txBody>
       </p:sp>
     </p:spTree>
+    <p:extLst>
+      <p:ext uri="{BB962C8B-B14F-4D97-AF65-F5344CB8AC3E}">
+        <p14:creationId xmlns:p14="http://schemas.microsoft.com/office/powerpoint/2010/main" val="801377832"/>
+      </p:ext>
+    </p:extLst>
   </p:cSld>
   <p:clrMapOvr>
     <a:masterClrMapping/>
   </p:clrMapOvr>
-  <p:timing>
-    <p:tnLst>
-      <p:par>
-        <p:cTn id="1" dur="indefinite" restart="never" nodeType="tmRoot"/>
-      </p:par>
-    </p:tnLst>
-  </p:timing>
 </p:sld>
 </file>
 
@@ -4012,30 +3594,40 @@
       </p:grpSpPr>
       <p:sp>
         <p:nvSpPr>
-          <p:cNvPr id="4" name="標題 3"/>
-          <p:cNvSpPr>
-            <a:spLocks noGrp="1"/>
-          </p:cNvSpPr>
-          <p:nvPr>
-            <p:ph type="title"/>
-          </p:nvPr>
-        </p:nvSpPr>
-        <p:spPr/>
-        <p:txBody>
-          <a:bodyPr/>
-          <a:lstStyle/>
-          <a:p>
-            <a:r>
-              <a:rPr lang="zh-CN" altLang="en-US" b="1" dirty="0">
+          <p:cNvPr id="5" name="內容版面配置區 4"/>
+          <p:cNvSpPr>
+            <a:spLocks noGrp="1"/>
+          </p:cNvSpPr>
+          <p:nvPr>
+            <p:ph idx="1"/>
+          </p:nvPr>
+        </p:nvSpPr>
+        <p:spPr>
+          <a:xfrm>
+            <a:off x="0" y="2084851"/>
+            <a:ext cx="12192000" cy="2404863"/>
+          </a:xfrm>
+        </p:spPr>
+        <p:txBody>
+          <a:bodyPr anchor="ctr">
+            <a:normAutofit/>
+          </a:bodyPr>
+          <a:lstStyle/>
+          <a:p>
+            <a:pPr algn="ctr">
+              <a:buNone/>
+            </a:pPr>
+            <a:r>
+              <a:rPr lang="zh-TW" altLang="en-US" sz="6400" b="1" dirty="0">
                 <a:solidFill>
                   <a:srgbClr val="660033"/>
                 </a:solidFill>
                 <a:latin typeface="微軟正黑體" pitchFamily="34" charset="-120"/>
                 <a:ea typeface="微軟正黑體" pitchFamily="34" charset="-120"/>
               </a:rPr>
-              <a:t>喜樂泉源</a:t>
-            </a:r>
-            <a:endParaRPr lang="zh-TW" altLang="en-US" b="1" dirty="0">
+              <a:t>讓萬國萬邦在天上說</a:t>
+            </a:r>
+            <a:endParaRPr lang="en-US" altLang="zh-TW" sz="6400" b="1" dirty="0">
               <a:solidFill>
                 <a:srgbClr val="660033"/>
               </a:solidFill>
@@ -4043,49 +3635,21 @@
               <a:ea typeface="微軟正黑體" pitchFamily="34" charset="-120"/>
             </a:endParaRPr>
           </a:p>
-        </p:txBody>
-      </p:sp>
-      <p:sp>
-        <p:nvSpPr>
-          <p:cNvPr id="5" name="內容版面配置區 4"/>
-          <p:cNvSpPr>
-            <a:spLocks noGrp="1"/>
-          </p:cNvSpPr>
-          <p:nvPr>
-            <p:ph idx="1"/>
-          </p:nvPr>
-        </p:nvSpPr>
-        <p:spPr/>
-        <p:txBody>
-          <a:bodyPr>
-            <a:normAutofit/>
-          </a:bodyPr>
-          <a:lstStyle/>
           <a:p>
             <a:pPr algn="ctr">
               <a:buNone/>
             </a:pPr>
             <a:r>
-              <a:rPr lang="zh-CN" altLang="en-US" sz="5400" b="1" dirty="0">
+              <a:rPr lang="zh-TW" altLang="en-US" sz="6400" b="1" dirty="0">
                 <a:solidFill>
                   <a:srgbClr val="660033"/>
                 </a:solidFill>
                 <a:latin typeface="微軟正黑體" pitchFamily="34" charset="-120"/>
                 <a:ea typeface="微軟正黑體" pitchFamily="34" charset="-120"/>
               </a:rPr>
-              <a:t>你是我喜樂</a:t>
-            </a:r>
-            <a:r>
-              <a:rPr lang="zh-CN" altLang="en-US" sz="5400" b="1" dirty="0" smtClean="0">
-                <a:solidFill>
-                  <a:srgbClr val="660033"/>
-                </a:solidFill>
-                <a:latin typeface="微軟正黑體" pitchFamily="34" charset="-120"/>
-                <a:ea typeface="微軟正黑體" pitchFamily="34" charset="-120"/>
-              </a:rPr>
-              <a:t>泉源</a:t>
-            </a:r>
-            <a:endParaRPr lang="en-US" altLang="zh-CN" sz="5400" b="1" dirty="0" smtClean="0">
+              <a:t>願救恩歸於寶座上的神</a:t>
+            </a:r>
+            <a:endParaRPr lang="zh-TW" altLang="en-US" sz="6400" b="1" dirty="0">
               <a:solidFill>
                 <a:srgbClr val="660033"/>
               </a:solidFill>
@@ -4093,115 +3657,14 @@
               <a:ea typeface="微軟正黑體" pitchFamily="34" charset="-120"/>
             </a:endParaRPr>
           </a:p>
-          <a:p>
-            <a:pPr algn="ctr">
-              <a:buNone/>
-            </a:pPr>
-            <a:r>
-              <a:rPr lang="zh-CN" altLang="en-US" sz="5400" b="1" dirty="0" smtClean="0">
-                <a:solidFill>
-                  <a:srgbClr val="660033"/>
-                </a:solidFill>
-                <a:latin typeface="微軟正黑體" pitchFamily="34" charset="-120"/>
-                <a:ea typeface="微軟正黑體" pitchFamily="34" charset="-120"/>
-              </a:rPr>
-              <a:t>你</a:t>
-            </a:r>
-            <a:r>
-              <a:rPr lang="zh-CN" altLang="en-US" sz="5400" b="1" dirty="0">
-                <a:solidFill>
-                  <a:srgbClr val="660033"/>
-                </a:solidFill>
-                <a:latin typeface="微軟正黑體" pitchFamily="34" charset="-120"/>
-                <a:ea typeface="微軟正黑體" pitchFamily="34" charset="-120"/>
-              </a:rPr>
-              <a:t>使我歡欣</a:t>
-            </a:r>
-            <a:r>
-              <a:rPr lang="zh-CN" altLang="en-US" sz="5400" b="1" dirty="0" smtClean="0">
-                <a:solidFill>
-                  <a:srgbClr val="660033"/>
-                </a:solidFill>
-                <a:latin typeface="微軟正黑體" pitchFamily="34" charset="-120"/>
-                <a:ea typeface="微軟正黑體" pitchFamily="34" charset="-120"/>
-              </a:rPr>
-              <a:t>跳躍</a:t>
-            </a:r>
-            <a:endParaRPr lang="zh-TW" altLang="en-US" sz="5400" b="1" dirty="0">
-              <a:solidFill>
-                <a:srgbClr val="660033"/>
-              </a:solidFill>
-              <a:latin typeface="微軟正黑體" pitchFamily="34" charset="-120"/>
-              <a:ea typeface="微軟正黑體" pitchFamily="34" charset="-120"/>
-            </a:endParaRPr>
-          </a:p>
-          <a:p>
-            <a:pPr algn="ctr">
-              <a:buNone/>
-            </a:pPr>
-            <a:r>
-              <a:rPr lang="zh-CN" altLang="en-US" sz="5400" b="1" dirty="0">
-                <a:solidFill>
-                  <a:srgbClr val="660033"/>
-                </a:solidFill>
-                <a:latin typeface="微軟正黑體" pitchFamily="34" charset="-120"/>
-                <a:ea typeface="微軟正黑體" pitchFamily="34" charset="-120"/>
-              </a:rPr>
-              <a:t>你使我自由</a:t>
-            </a:r>
-            <a:r>
-              <a:rPr lang="zh-CN" altLang="en-US" sz="5400" b="1" dirty="0" smtClean="0">
-                <a:solidFill>
-                  <a:srgbClr val="660033"/>
-                </a:solidFill>
-                <a:latin typeface="微軟正黑體" pitchFamily="34" charset="-120"/>
-                <a:ea typeface="微軟正黑體" pitchFamily="34" charset="-120"/>
-              </a:rPr>
-              <a:t>飛翔</a:t>
-            </a:r>
-            <a:endParaRPr lang="en-US" altLang="zh-CN" sz="5400" b="1" dirty="0" smtClean="0">
-              <a:solidFill>
-                <a:srgbClr val="660033"/>
-              </a:solidFill>
-              <a:latin typeface="微軟正黑體" pitchFamily="34" charset="-120"/>
-              <a:ea typeface="微軟正黑體" pitchFamily="34" charset="-120"/>
-            </a:endParaRPr>
-          </a:p>
-          <a:p>
-            <a:pPr algn="ctr">
-              <a:buNone/>
-            </a:pPr>
-            <a:r>
-              <a:rPr lang="zh-CN" altLang="en-US" sz="5400" b="1" dirty="0" smtClean="0">
-                <a:solidFill>
-                  <a:srgbClr val="660033"/>
-                </a:solidFill>
-                <a:latin typeface="微軟正黑體" pitchFamily="34" charset="-120"/>
-                <a:ea typeface="微軟正黑體" pitchFamily="34" charset="-120"/>
-              </a:rPr>
-              <a:t>不再</a:t>
-            </a:r>
-            <a:r>
-              <a:rPr lang="zh-CN" altLang="en-US" sz="5400" b="1" dirty="0">
-                <a:solidFill>
-                  <a:srgbClr val="660033"/>
-                </a:solidFill>
-                <a:latin typeface="微軟正黑體" pitchFamily="34" charset="-120"/>
-                <a:ea typeface="微軟正黑體" pitchFamily="34" charset="-120"/>
-              </a:rPr>
-              <a:t>被罪惡捆綁</a:t>
-            </a:r>
-            <a:endParaRPr lang="zh-TW" altLang="en-US" sz="5400" b="1" dirty="0">
-              <a:solidFill>
-                <a:srgbClr val="660033"/>
-              </a:solidFill>
-              <a:latin typeface="微軟正黑體" pitchFamily="34" charset="-120"/>
-              <a:ea typeface="微軟正黑體" pitchFamily="34" charset="-120"/>
-            </a:endParaRPr>
-          </a:p>
         </p:txBody>
       </p:sp>
     </p:spTree>
+    <p:extLst>
+      <p:ext uri="{BB962C8B-B14F-4D97-AF65-F5344CB8AC3E}">
+        <p14:creationId xmlns:p14="http://schemas.microsoft.com/office/powerpoint/2010/main" val="83775974"/>
+      </p:ext>
+    </p:extLst>
   </p:cSld>
   <p:clrMapOvr>
     <a:masterClrMapping/>
@@ -4228,30 +3691,40 @@
       </p:grpSpPr>
       <p:sp>
         <p:nvSpPr>
-          <p:cNvPr id="4" name="標題 3"/>
-          <p:cNvSpPr>
-            <a:spLocks noGrp="1"/>
-          </p:cNvSpPr>
-          <p:nvPr>
-            <p:ph type="title"/>
-          </p:nvPr>
-        </p:nvSpPr>
-        <p:spPr/>
-        <p:txBody>
-          <a:bodyPr/>
-          <a:lstStyle/>
-          <a:p>
-            <a:r>
-              <a:rPr lang="zh-CN" altLang="en-US" b="1" dirty="0">
+          <p:cNvPr id="5" name="內容版面配置區 4"/>
+          <p:cNvSpPr>
+            <a:spLocks noGrp="1"/>
+          </p:cNvSpPr>
+          <p:nvPr>
+            <p:ph idx="1"/>
+          </p:nvPr>
+        </p:nvSpPr>
+        <p:spPr>
+          <a:xfrm>
+            <a:off x="0" y="2084851"/>
+            <a:ext cx="12192000" cy="2404863"/>
+          </a:xfrm>
+        </p:spPr>
+        <p:txBody>
+          <a:bodyPr anchor="ctr">
+            <a:normAutofit/>
+          </a:bodyPr>
+          <a:lstStyle/>
+          <a:p>
+            <a:pPr algn="ctr">
+              <a:buNone/>
+            </a:pPr>
+            <a:r>
+              <a:rPr lang="zh-TW" altLang="en-US" sz="6400" b="1" dirty="0">
                 <a:solidFill>
                   <a:srgbClr val="660033"/>
                 </a:solidFill>
                 <a:latin typeface="微軟正黑體" pitchFamily="34" charset="-120"/>
                 <a:ea typeface="微軟正黑體" pitchFamily="34" charset="-120"/>
               </a:rPr>
-              <a:t>喜樂泉源</a:t>
-            </a:r>
-            <a:endParaRPr lang="zh-TW" altLang="en-US" b="1" dirty="0">
+              <a:t>哈利路亞  哈利路亞</a:t>
+            </a:r>
+            <a:endParaRPr lang="en-US" altLang="zh-TW" sz="6400" b="1" dirty="0">
               <a:solidFill>
                 <a:srgbClr val="660033"/>
               </a:solidFill>
@@ -4259,39 +3732,21 @@
               <a:ea typeface="微軟正黑體" pitchFamily="34" charset="-120"/>
             </a:endParaRPr>
           </a:p>
-        </p:txBody>
-      </p:sp>
-      <p:sp>
-        <p:nvSpPr>
-          <p:cNvPr id="5" name="內容版面配置區 4"/>
-          <p:cNvSpPr>
-            <a:spLocks noGrp="1"/>
-          </p:cNvSpPr>
-          <p:nvPr>
-            <p:ph idx="1"/>
-          </p:nvPr>
-        </p:nvSpPr>
-        <p:spPr/>
-        <p:txBody>
-          <a:bodyPr>
-            <a:normAutofit/>
-          </a:bodyPr>
-          <a:lstStyle/>
           <a:p>
             <a:pPr algn="ctr">
               <a:buNone/>
             </a:pPr>
             <a:r>
-              <a:rPr lang="zh-CN" altLang="en-US" sz="5400" b="1" dirty="0" smtClean="0">
+              <a:rPr lang="zh-TW" altLang="en-US" sz="6400" b="1" dirty="0">
                 <a:solidFill>
                   <a:srgbClr val="660033"/>
                 </a:solidFill>
                 <a:latin typeface="微軟正黑體" pitchFamily="34" charset="-120"/>
                 <a:ea typeface="微軟正黑體" pitchFamily="34" charset="-120"/>
               </a:rPr>
-              <a:t>你是我永生盼望</a:t>
-            </a:r>
-            <a:endParaRPr lang="en-US" altLang="zh-CN" sz="5400" b="1" dirty="0" smtClean="0">
+              <a:t>哈利路亞  哈利路亞</a:t>
+            </a:r>
+            <a:endParaRPr lang="en-US" altLang="zh-TW" sz="6400" b="1" dirty="0">
               <a:solidFill>
                 <a:srgbClr val="660033"/>
               </a:solidFill>
@@ -4299,75 +3754,14 @@
               <a:ea typeface="微軟正黑體" pitchFamily="34" charset="-120"/>
             </a:endParaRPr>
           </a:p>
-          <a:p>
-            <a:pPr algn="ctr">
-              <a:buNone/>
-            </a:pPr>
-            <a:r>
-              <a:rPr lang="zh-CN" altLang="en-US" sz="5400" b="1" dirty="0" smtClean="0">
-                <a:solidFill>
-                  <a:srgbClr val="660033"/>
-                </a:solidFill>
-                <a:latin typeface="微軟正黑體" pitchFamily="34" charset="-120"/>
-                <a:ea typeface="微軟正黑體" pitchFamily="34" charset="-120"/>
-              </a:rPr>
-              <a:t>你愛有無比力量</a:t>
-            </a:r>
-            <a:endParaRPr lang="zh-TW" altLang="en-US" sz="5400" b="1" dirty="0" smtClean="0">
-              <a:solidFill>
-                <a:srgbClr val="660033"/>
-              </a:solidFill>
-              <a:latin typeface="微軟正黑體" pitchFamily="34" charset="-120"/>
-              <a:ea typeface="微軟正黑體" pitchFamily="34" charset="-120"/>
-            </a:endParaRPr>
-          </a:p>
-          <a:p>
-            <a:pPr algn="ctr">
-              <a:buNone/>
-            </a:pPr>
-            <a:r>
-              <a:rPr lang="zh-CN" altLang="en-US" sz="5400" b="1" dirty="0" smtClean="0">
-                <a:solidFill>
-                  <a:srgbClr val="660033"/>
-                </a:solidFill>
-                <a:latin typeface="微軟正黑體" pitchFamily="34" charset="-120"/>
-                <a:ea typeface="微軟正黑體" pitchFamily="34" charset="-120"/>
-              </a:rPr>
-              <a:t>從今時直到永遠</a:t>
-            </a:r>
-            <a:endParaRPr lang="en-US" altLang="zh-CN" sz="5400" b="1" dirty="0" smtClean="0">
-              <a:solidFill>
-                <a:srgbClr val="660033"/>
-              </a:solidFill>
-              <a:latin typeface="微軟正黑體" pitchFamily="34" charset="-120"/>
-              <a:ea typeface="微軟正黑體" pitchFamily="34" charset="-120"/>
-            </a:endParaRPr>
-          </a:p>
-          <a:p>
-            <a:pPr algn="ctr">
-              <a:buNone/>
-            </a:pPr>
-            <a:r>
-              <a:rPr lang="zh-CN" altLang="en-US" sz="5400" b="1" dirty="0" smtClean="0">
-                <a:solidFill>
-                  <a:srgbClr val="660033"/>
-                </a:solidFill>
-                <a:latin typeface="微軟正黑體" pitchFamily="34" charset="-120"/>
-                <a:ea typeface="微軟正黑體" pitchFamily="34" charset="-120"/>
-              </a:rPr>
-              <a:t>你應許不會改變</a:t>
-            </a:r>
-            <a:endParaRPr lang="zh-TW" altLang="en-US" sz="5400" b="1" dirty="0">
-              <a:solidFill>
-                <a:srgbClr val="660033"/>
-              </a:solidFill>
-              <a:latin typeface="微軟正黑體" pitchFamily="34" charset="-120"/>
-              <a:ea typeface="微軟正黑體" pitchFamily="34" charset="-120"/>
-            </a:endParaRPr>
-          </a:p>
         </p:txBody>
       </p:sp>
     </p:spTree>
+    <p:extLst>
+      <p:ext uri="{BB962C8B-B14F-4D97-AF65-F5344CB8AC3E}">
+        <p14:creationId xmlns:p14="http://schemas.microsoft.com/office/powerpoint/2010/main" val="1748672206"/>
+      </p:ext>
+    </p:extLst>
   </p:cSld>
   <p:clrMapOvr>
     <a:masterClrMapping/>
@@ -4394,30 +3788,40 @@
       </p:grpSpPr>
       <p:sp>
         <p:nvSpPr>
-          <p:cNvPr id="4" name="標題 3"/>
-          <p:cNvSpPr>
-            <a:spLocks noGrp="1"/>
-          </p:cNvSpPr>
-          <p:nvPr>
-            <p:ph type="title"/>
-          </p:nvPr>
-        </p:nvSpPr>
-        <p:spPr/>
-        <p:txBody>
-          <a:bodyPr/>
-          <a:lstStyle/>
-          <a:p>
-            <a:r>
-              <a:rPr lang="zh-CN" altLang="en-US" b="1" dirty="0">
+          <p:cNvPr id="5" name="內容版面配置區 4"/>
+          <p:cNvSpPr>
+            <a:spLocks noGrp="1"/>
+          </p:cNvSpPr>
+          <p:nvPr>
+            <p:ph idx="1"/>
+          </p:nvPr>
+        </p:nvSpPr>
+        <p:spPr>
+          <a:xfrm>
+            <a:off x="0" y="2084851"/>
+            <a:ext cx="12192000" cy="2404863"/>
+          </a:xfrm>
+        </p:spPr>
+        <p:txBody>
+          <a:bodyPr anchor="ctr">
+            <a:normAutofit/>
+          </a:bodyPr>
+          <a:lstStyle/>
+          <a:p>
+            <a:pPr algn="ctr">
+              <a:buNone/>
+            </a:pPr>
+            <a:r>
+              <a:rPr lang="zh-TW" altLang="en-US" sz="6400" b="1" dirty="0">
                 <a:solidFill>
                   <a:srgbClr val="660033"/>
                 </a:solidFill>
                 <a:latin typeface="微軟正黑體" pitchFamily="34" charset="-120"/>
                 <a:ea typeface="微軟正黑體" pitchFamily="34" charset="-120"/>
               </a:rPr>
-              <a:t>喜樂泉源</a:t>
-            </a:r>
-            <a:endParaRPr lang="zh-TW" altLang="en-US" b="1" dirty="0">
+              <a:t>救恩榮耀都歸於我們的神</a:t>
+            </a:r>
+            <a:endParaRPr lang="zh-TW" altLang="en-US" sz="6400" b="1" dirty="0">
               <a:solidFill>
                 <a:srgbClr val="660033"/>
               </a:solidFill>
@@ -4427,118 +3831,12 @@
           </a:p>
         </p:txBody>
       </p:sp>
-      <p:sp>
-        <p:nvSpPr>
-          <p:cNvPr id="5" name="內容版面配置區 4"/>
-          <p:cNvSpPr>
-            <a:spLocks noGrp="1"/>
-          </p:cNvSpPr>
-          <p:nvPr>
-            <p:ph idx="1"/>
-          </p:nvPr>
-        </p:nvSpPr>
-        <p:spPr>
-          <a:xfrm>
-            <a:off x="0" y="1600200"/>
-            <a:ext cx="9144000" cy="4525963"/>
-          </a:xfrm>
-        </p:spPr>
-        <p:txBody>
-          <a:bodyPr>
-            <a:noAutofit/>
-          </a:bodyPr>
-          <a:lstStyle/>
-          <a:p>
-            <a:pPr algn="ctr">
-              <a:buNone/>
-            </a:pPr>
-            <a:r>
-              <a:rPr lang="zh-CN" altLang="en-US" sz="5400" b="1" dirty="0" smtClean="0">
-                <a:solidFill>
-                  <a:srgbClr val="660033"/>
-                </a:solidFill>
-                <a:latin typeface="微軟正黑體" pitchFamily="34" charset="-120"/>
-                <a:ea typeface="微軟正黑體" pitchFamily="34" charset="-120"/>
-              </a:rPr>
-              <a:t>你的寶血</a:t>
-            </a:r>
-            <a:endParaRPr lang="en-US" altLang="zh-CN" sz="5400" b="1" dirty="0" smtClean="0">
-              <a:solidFill>
-                <a:srgbClr val="660033"/>
-              </a:solidFill>
-              <a:latin typeface="微軟正黑體" pitchFamily="34" charset="-120"/>
-              <a:ea typeface="微軟正黑體" pitchFamily="34" charset="-120"/>
-            </a:endParaRPr>
-          </a:p>
-          <a:p>
-            <a:pPr algn="ctr">
-              <a:buNone/>
-            </a:pPr>
-            <a:r>
-              <a:rPr lang="zh-CN" altLang="en-US" sz="5400" b="1" dirty="0" smtClean="0">
-                <a:solidFill>
-                  <a:srgbClr val="660033"/>
-                </a:solidFill>
-                <a:latin typeface="微軟正黑體" pitchFamily="34" charset="-120"/>
-                <a:ea typeface="微軟正黑體" pitchFamily="34" charset="-120"/>
-              </a:rPr>
-              <a:t>有能力能醫治一切的傷口</a:t>
-            </a:r>
-            <a:endParaRPr lang="en-US" altLang="zh-CN" sz="5400" b="1" dirty="0" smtClean="0">
-              <a:solidFill>
-                <a:srgbClr val="660033"/>
-              </a:solidFill>
-              <a:latin typeface="微軟正黑體" pitchFamily="34" charset="-120"/>
-              <a:ea typeface="微軟正黑體" pitchFamily="34" charset="-120"/>
-            </a:endParaRPr>
-          </a:p>
-          <a:p>
-            <a:pPr algn="ctr">
-              <a:buNone/>
-            </a:pPr>
-            <a:r>
-              <a:rPr lang="zh-CN" altLang="en-US" sz="5400" b="1" dirty="0" smtClean="0">
-                <a:solidFill>
-                  <a:srgbClr val="660033"/>
-                </a:solidFill>
-                <a:latin typeface="微軟正黑體" pitchFamily="34" charset="-120"/>
-                <a:ea typeface="微軟正黑體" pitchFamily="34" charset="-120"/>
-              </a:rPr>
-              <a:t>你的復活</a:t>
-            </a:r>
-            <a:endParaRPr lang="en-US" altLang="zh-CN" sz="5400" b="1" dirty="0" smtClean="0">
-              <a:solidFill>
-                <a:srgbClr val="660033"/>
-              </a:solidFill>
-              <a:latin typeface="微軟正黑體" pitchFamily="34" charset="-120"/>
-              <a:ea typeface="微軟正黑體" pitchFamily="34" charset="-120"/>
-            </a:endParaRPr>
-          </a:p>
-          <a:p>
-            <a:pPr algn="ctr">
-              <a:buNone/>
-            </a:pPr>
-            <a:r>
-              <a:rPr lang="zh-CN" altLang="en-US" sz="5400" b="1" dirty="0" smtClean="0">
-                <a:solidFill>
-                  <a:srgbClr val="660033"/>
-                </a:solidFill>
-                <a:latin typeface="微軟正黑體" pitchFamily="34" charset="-120"/>
-                <a:ea typeface="微軟正黑體" pitchFamily="34" charset="-120"/>
-              </a:rPr>
-              <a:t>能改變一切的咒詛成為祝福</a:t>
-            </a:r>
-            <a:endParaRPr lang="zh-TW" altLang="en-US" sz="5400" b="1" dirty="0" smtClean="0">
-              <a:solidFill>
-                <a:srgbClr val="660033"/>
-              </a:solidFill>
-              <a:latin typeface="微軟正黑體" pitchFamily="34" charset="-120"/>
-              <a:ea typeface="微軟正黑體" pitchFamily="34" charset="-120"/>
-            </a:endParaRPr>
-          </a:p>
-        </p:txBody>
-      </p:sp>
     </p:spTree>
+    <p:extLst>
+      <p:ext uri="{BB962C8B-B14F-4D97-AF65-F5344CB8AC3E}">
+        <p14:creationId xmlns:p14="http://schemas.microsoft.com/office/powerpoint/2010/main" val="776757348"/>
+      </p:ext>
+    </p:extLst>
   </p:cSld>
   <p:clrMapOvr>
     <a:masterClrMapping/>
@@ -4565,30 +3863,40 @@
       </p:grpSpPr>
       <p:sp>
         <p:nvSpPr>
-          <p:cNvPr id="4" name="標題 3"/>
-          <p:cNvSpPr>
-            <a:spLocks noGrp="1"/>
-          </p:cNvSpPr>
-          <p:nvPr>
-            <p:ph type="title"/>
-          </p:nvPr>
-        </p:nvSpPr>
-        <p:spPr/>
-        <p:txBody>
-          <a:bodyPr/>
-          <a:lstStyle/>
-          <a:p>
-            <a:r>
-              <a:rPr lang="zh-CN" altLang="en-US" b="1" dirty="0">
+          <p:cNvPr id="5" name="內容版面配置區 4"/>
+          <p:cNvSpPr>
+            <a:spLocks noGrp="1"/>
+          </p:cNvSpPr>
+          <p:nvPr>
+            <p:ph idx="1"/>
+          </p:nvPr>
+        </p:nvSpPr>
+        <p:spPr>
+          <a:xfrm>
+            <a:off x="0" y="2084851"/>
+            <a:ext cx="12192000" cy="2404863"/>
+          </a:xfrm>
+        </p:spPr>
+        <p:txBody>
+          <a:bodyPr anchor="ctr">
+            <a:normAutofit/>
+          </a:bodyPr>
+          <a:lstStyle/>
+          <a:p>
+            <a:pPr algn="ctr">
+              <a:buNone/>
+            </a:pPr>
+            <a:r>
+              <a:rPr lang="zh-TW" altLang="en-US" sz="6400" b="1" dirty="0">
                 <a:solidFill>
                   <a:srgbClr val="660033"/>
                 </a:solidFill>
                 <a:latin typeface="微軟正黑體" pitchFamily="34" charset="-120"/>
                 <a:ea typeface="微軟正黑體" pitchFamily="34" charset="-120"/>
               </a:rPr>
-              <a:t>喜樂泉源</a:t>
-            </a:r>
-            <a:endParaRPr lang="zh-TW" altLang="en-US" b="1" dirty="0">
+              <a:t>哈利路亞  哈利路亞</a:t>
+            </a:r>
+            <a:endParaRPr lang="en-US" altLang="zh-TW" sz="6400" b="1" dirty="0">
               <a:solidFill>
                 <a:srgbClr val="660033"/>
               </a:solidFill>
@@ -4596,44 +3904,21 @@
               <a:ea typeface="微軟正黑體" pitchFamily="34" charset="-120"/>
             </a:endParaRPr>
           </a:p>
-        </p:txBody>
-      </p:sp>
-      <p:sp>
-        <p:nvSpPr>
-          <p:cNvPr id="5" name="內容版面配置區 4"/>
-          <p:cNvSpPr>
-            <a:spLocks noGrp="1"/>
-          </p:cNvSpPr>
-          <p:nvPr>
-            <p:ph idx="1"/>
-          </p:nvPr>
-        </p:nvSpPr>
-        <p:spPr>
-          <a:xfrm>
-            <a:off x="0" y="1600200"/>
-            <a:ext cx="9144000" cy="4525963"/>
-          </a:xfrm>
-        </p:spPr>
-        <p:txBody>
-          <a:bodyPr>
-            <a:noAutofit/>
-          </a:bodyPr>
-          <a:lstStyle/>
           <a:p>
             <a:pPr algn="ctr">
               <a:buNone/>
             </a:pPr>
             <a:r>
-              <a:rPr lang="zh-CN" altLang="en-US" sz="5400" b="1" dirty="0" smtClean="0">
+              <a:rPr lang="zh-TW" altLang="en-US" sz="6400" b="1" dirty="0">
                 <a:solidFill>
                   <a:srgbClr val="660033"/>
                 </a:solidFill>
                 <a:latin typeface="微軟正黑體" pitchFamily="34" charset="-120"/>
                 <a:ea typeface="微軟正黑體" pitchFamily="34" charset="-120"/>
               </a:rPr>
-              <a:t>我們要高舉你聖名</a:t>
-            </a:r>
-            <a:endParaRPr lang="en-US" altLang="zh-CN" sz="5400" b="1" dirty="0" smtClean="0">
+              <a:t>哈利路亞  哈利路亞</a:t>
+            </a:r>
+            <a:endParaRPr lang="en-US" altLang="zh-TW" sz="6400" b="1" dirty="0">
               <a:solidFill>
                 <a:srgbClr val="660033"/>
               </a:solidFill>
@@ -4641,75 +3926,14 @@
               <a:ea typeface="微軟正黑體" pitchFamily="34" charset="-120"/>
             </a:endParaRPr>
           </a:p>
-          <a:p>
-            <a:pPr algn="ctr">
-              <a:buNone/>
-            </a:pPr>
-            <a:r>
-              <a:rPr lang="zh-CN" altLang="en-US" sz="5400" b="1" dirty="0" smtClean="0">
-                <a:solidFill>
-                  <a:srgbClr val="660033"/>
-                </a:solidFill>
-                <a:latin typeface="微軟正黑體" pitchFamily="34" charset="-120"/>
-                <a:ea typeface="微軟正黑體" pitchFamily="34" charset="-120"/>
-              </a:rPr>
-              <a:t>你配得所有最大的讚美</a:t>
-            </a:r>
-            <a:endParaRPr lang="zh-TW" altLang="en-US" sz="5400" b="1" dirty="0" smtClean="0">
-              <a:solidFill>
-                <a:srgbClr val="660033"/>
-              </a:solidFill>
-              <a:latin typeface="微軟正黑體" pitchFamily="34" charset="-120"/>
-              <a:ea typeface="微軟正黑體" pitchFamily="34" charset="-120"/>
-            </a:endParaRPr>
-          </a:p>
-          <a:p>
-            <a:pPr algn="ctr">
-              <a:buNone/>
-            </a:pPr>
-            <a:r>
-              <a:rPr lang="zh-CN" altLang="en-US" sz="5400" b="1" dirty="0" smtClean="0">
-                <a:solidFill>
-                  <a:srgbClr val="660033"/>
-                </a:solidFill>
-                <a:latin typeface="微軟正黑體" pitchFamily="34" charset="-120"/>
-                <a:ea typeface="微軟正黑體" pitchFamily="34" charset="-120"/>
-              </a:rPr>
-              <a:t>我們要用全心和全意</a:t>
-            </a:r>
-            <a:endParaRPr lang="en-US" altLang="zh-CN" sz="5400" b="1" dirty="0" smtClean="0">
-              <a:solidFill>
-                <a:srgbClr val="660033"/>
-              </a:solidFill>
-              <a:latin typeface="微軟正黑體" pitchFamily="34" charset="-120"/>
-              <a:ea typeface="微軟正黑體" pitchFamily="34" charset="-120"/>
-            </a:endParaRPr>
-          </a:p>
-          <a:p>
-            <a:pPr algn="ctr">
-              <a:buNone/>
-            </a:pPr>
-            <a:r>
-              <a:rPr lang="zh-CN" altLang="en-US" sz="5400" b="1" dirty="0" smtClean="0">
-                <a:solidFill>
-                  <a:srgbClr val="660033"/>
-                </a:solidFill>
-                <a:latin typeface="微軟正黑體" pitchFamily="34" charset="-120"/>
-                <a:ea typeface="微軟正黑體" pitchFamily="34" charset="-120"/>
-              </a:rPr>
-              <a:t>來敬拜你</a:t>
-            </a:r>
-            <a:endParaRPr lang="zh-TW" altLang="en-US" sz="5400" b="1" dirty="0" smtClean="0">
-              <a:solidFill>
-                <a:srgbClr val="660033"/>
-              </a:solidFill>
-              <a:latin typeface="微軟正黑體" pitchFamily="34" charset="-120"/>
-              <a:ea typeface="微軟正黑體" pitchFamily="34" charset="-120"/>
-            </a:endParaRPr>
-          </a:p>
         </p:txBody>
       </p:sp>
     </p:spTree>
+    <p:extLst>
+      <p:ext uri="{BB962C8B-B14F-4D97-AF65-F5344CB8AC3E}">
+        <p14:creationId xmlns:p14="http://schemas.microsoft.com/office/powerpoint/2010/main" val="2852363974"/>
+      </p:ext>
+    </p:extLst>
   </p:cSld>
   <p:clrMapOvr>
     <a:masterClrMapping/>
@@ -4736,30 +3960,40 @@
       </p:grpSpPr>
       <p:sp>
         <p:nvSpPr>
-          <p:cNvPr id="4" name="標題 3"/>
-          <p:cNvSpPr>
-            <a:spLocks noGrp="1"/>
-          </p:cNvSpPr>
-          <p:nvPr>
-            <p:ph type="title"/>
-          </p:nvPr>
-        </p:nvSpPr>
-        <p:spPr/>
-        <p:txBody>
-          <a:bodyPr/>
-          <a:lstStyle/>
-          <a:p>
-            <a:r>
-              <a:rPr lang="zh-CN" altLang="en-US" b="1" dirty="0">
+          <p:cNvPr id="5" name="內容版面配置區 4"/>
+          <p:cNvSpPr>
+            <a:spLocks noGrp="1"/>
+          </p:cNvSpPr>
+          <p:nvPr>
+            <p:ph idx="1"/>
+          </p:nvPr>
+        </p:nvSpPr>
+        <p:spPr>
+          <a:xfrm>
+            <a:off x="0" y="2084851"/>
+            <a:ext cx="12192000" cy="2404863"/>
+          </a:xfrm>
+        </p:spPr>
+        <p:txBody>
+          <a:bodyPr anchor="ctr">
+            <a:normAutofit/>
+          </a:bodyPr>
+          <a:lstStyle/>
+          <a:p>
+            <a:pPr algn="ctr">
+              <a:buNone/>
+            </a:pPr>
+            <a:r>
+              <a:rPr lang="zh-TW" altLang="en-US" sz="6400" b="1" dirty="0">
                 <a:solidFill>
                   <a:srgbClr val="660033"/>
                 </a:solidFill>
                 <a:latin typeface="微軟正黑體" pitchFamily="34" charset="-120"/>
                 <a:ea typeface="微軟正黑體" pitchFamily="34" charset="-120"/>
               </a:rPr>
-              <a:t>喜樂泉源</a:t>
-            </a:r>
-            <a:endParaRPr lang="zh-TW" altLang="en-US" b="1" dirty="0">
+              <a:t>頌讚權能都歸於我們的神</a:t>
+            </a:r>
+            <a:endParaRPr lang="en-US" altLang="zh-TW" sz="6400" b="1" dirty="0">
               <a:solidFill>
                 <a:srgbClr val="660033"/>
               </a:solidFill>
@@ -4767,44 +4001,21 @@
               <a:ea typeface="微軟正黑體" pitchFamily="34" charset="-120"/>
             </a:endParaRPr>
           </a:p>
-        </p:txBody>
-      </p:sp>
-      <p:sp>
-        <p:nvSpPr>
-          <p:cNvPr id="5" name="內容版面配置區 4"/>
-          <p:cNvSpPr>
-            <a:spLocks noGrp="1"/>
-          </p:cNvSpPr>
-          <p:nvPr>
-            <p:ph idx="1"/>
-          </p:nvPr>
-        </p:nvSpPr>
-        <p:spPr>
-          <a:xfrm>
-            <a:off x="0" y="1600200"/>
-            <a:ext cx="9144000" cy="4525963"/>
-          </a:xfrm>
-        </p:spPr>
-        <p:txBody>
-          <a:bodyPr>
-            <a:noAutofit/>
-          </a:bodyPr>
-          <a:lstStyle/>
           <a:p>
             <a:pPr algn="ctr">
               <a:buNone/>
             </a:pPr>
             <a:r>
-              <a:rPr lang="zh-CN" altLang="en-US" sz="5400" b="1" dirty="0" smtClean="0">
+              <a:rPr lang="zh-TW" altLang="en-US" sz="6400" b="1" dirty="0">
                 <a:solidFill>
                   <a:srgbClr val="660033"/>
                 </a:solidFill>
                 <a:latin typeface="微軟正黑體" pitchFamily="34" charset="-120"/>
                 <a:ea typeface="微軟正黑體" pitchFamily="34" charset="-120"/>
               </a:rPr>
-              <a:t>我們要歡迎你來臨</a:t>
-            </a:r>
-            <a:endParaRPr lang="en-US" altLang="zh-CN" sz="5400" b="1" dirty="0" smtClean="0">
+              <a:t>直到永永遠遠</a:t>
+            </a:r>
+            <a:endParaRPr lang="zh-TW" altLang="en-US" sz="6400" b="1" dirty="0">
               <a:solidFill>
                 <a:srgbClr val="660033"/>
               </a:solidFill>
@@ -4812,75 +4023,14 @@
               <a:ea typeface="微軟正黑體" pitchFamily="34" charset="-120"/>
             </a:endParaRPr>
           </a:p>
-          <a:p>
-            <a:pPr algn="ctr">
-              <a:buNone/>
-            </a:pPr>
-            <a:r>
-              <a:rPr lang="zh-CN" altLang="en-US" sz="5400" b="1" dirty="0" smtClean="0">
-                <a:solidFill>
-                  <a:srgbClr val="660033"/>
-                </a:solidFill>
-                <a:latin typeface="微軟正黑體" pitchFamily="34" charset="-120"/>
-                <a:ea typeface="微軟正黑體" pitchFamily="34" charset="-120"/>
-              </a:rPr>
-              <a:t>願你來設立寶座在這裡</a:t>
-            </a:r>
-            <a:endParaRPr lang="zh-TW" altLang="en-US" sz="5400" b="1" dirty="0" smtClean="0">
-              <a:solidFill>
-                <a:srgbClr val="660033"/>
-              </a:solidFill>
-              <a:latin typeface="微軟正黑體" pitchFamily="34" charset="-120"/>
-              <a:ea typeface="微軟正黑體" pitchFamily="34" charset="-120"/>
-            </a:endParaRPr>
-          </a:p>
-          <a:p>
-            <a:pPr algn="ctr">
-              <a:buNone/>
-            </a:pPr>
-            <a:r>
-              <a:rPr lang="zh-CN" altLang="en-US" sz="5400" b="1" dirty="0" smtClean="0">
-                <a:solidFill>
-                  <a:srgbClr val="660033"/>
-                </a:solidFill>
-                <a:latin typeface="微軟正黑體" pitchFamily="34" charset="-120"/>
-                <a:ea typeface="微軟正黑體" pitchFamily="34" charset="-120"/>
-              </a:rPr>
-              <a:t>我們要張開口</a:t>
-            </a:r>
-            <a:endParaRPr lang="en-US" altLang="zh-CN" sz="5400" b="1" dirty="0" smtClean="0">
-              <a:solidFill>
-                <a:srgbClr val="660033"/>
-              </a:solidFill>
-              <a:latin typeface="微軟正黑體" pitchFamily="34" charset="-120"/>
-              <a:ea typeface="微軟正黑體" pitchFamily="34" charset="-120"/>
-            </a:endParaRPr>
-          </a:p>
-          <a:p>
-            <a:pPr algn="ctr">
-              <a:buNone/>
-            </a:pPr>
-            <a:r>
-              <a:rPr lang="zh-CN" altLang="en-US" sz="5400" b="1" dirty="0" smtClean="0">
-                <a:solidFill>
-                  <a:srgbClr val="660033"/>
-                </a:solidFill>
-                <a:latin typeface="微軟正黑體" pitchFamily="34" charset="-120"/>
-                <a:ea typeface="微軟正黑體" pitchFamily="34" charset="-120"/>
-              </a:rPr>
-              <a:t>不停讚美你</a:t>
-            </a:r>
-            <a:endParaRPr lang="zh-TW" altLang="en-US" sz="5400" b="1" dirty="0" smtClean="0">
-              <a:solidFill>
-                <a:srgbClr val="660033"/>
-              </a:solidFill>
-              <a:latin typeface="微軟正黑體" pitchFamily="34" charset="-120"/>
-              <a:ea typeface="微軟正黑體" pitchFamily="34" charset="-120"/>
-            </a:endParaRPr>
-          </a:p>
         </p:txBody>
       </p:sp>
     </p:spTree>
+    <p:extLst>
+      <p:ext uri="{BB962C8B-B14F-4D97-AF65-F5344CB8AC3E}">
+        <p14:creationId xmlns:p14="http://schemas.microsoft.com/office/powerpoint/2010/main" val="1847768538"/>
+      </p:ext>
+    </p:extLst>
   </p:cSld>
   <p:clrMapOvr>
     <a:masterClrMapping/>
@@ -4889,7 +4039,7 @@
 </file>
 
 <file path=ppt/theme/theme1.xml><?xml version="1.0" encoding="utf-8"?>
-<a:theme xmlns:a="http://schemas.openxmlformats.org/drawingml/2006/main" name="佈景主題11">
+<a:theme xmlns:a="http://schemas.openxmlformats.org/drawingml/2006/main" name="Theme1">
   <a:themeElements>
     <a:clrScheme name="Office">
       <a:dk1>
@@ -5168,5 +4318,10 @@
   </a:themeElements>
   <a:objectDefaults/>
   <a:extraClrSchemeLst/>
+  <a:extLst>
+    <a:ext uri="{05A4C25C-085E-4340-85A3-A5531E510DB2}">
+      <thm15:themeFamily xmlns:thm15="http://schemas.microsoft.com/office/thememl/2012/main" name="Theme1" id="{1A8DE197-990E-4893-BF04-3823FBB50F9A}" vid="{430B7048-5A04-4BDB-939A-C7E865DB887B}"/>
+    </a:ext>
+  </a:extLst>
 </a:theme>
 </file>
--- a/在你寶座前(崇拜版).pptx
+++ b/在你寶座前(崇拜版).pptx
@@ -313,7 +313,7 @@
             <a:fld id="{5EB9643F-852B-4059-9F2F-1212C809C47E}" type="datetimeFigureOut">
               <a:rPr lang="zh-TW" altLang="en-US" smtClean="0"/>
               <a:pPr/>
-              <a:t>2020/10/16</a:t>
+              <a:t>2023/5/6</a:t>
             </a:fld>
             <a:endParaRPr lang="zh-TW" altLang="en-US"/>
           </a:p>
@@ -485,7 +485,7 @@
             <a:fld id="{5EB9643F-852B-4059-9F2F-1212C809C47E}" type="datetimeFigureOut">
               <a:rPr lang="zh-TW" altLang="en-US" smtClean="0"/>
               <a:pPr/>
-              <a:t>2020/10/16</a:t>
+              <a:t>2023/5/6</a:t>
             </a:fld>
             <a:endParaRPr lang="zh-TW" altLang="en-US"/>
           </a:p>
@@ -667,7 +667,7 @@
             <a:fld id="{5EB9643F-852B-4059-9F2F-1212C809C47E}" type="datetimeFigureOut">
               <a:rPr lang="zh-TW" altLang="en-US" smtClean="0"/>
               <a:pPr/>
-              <a:t>2020/10/16</a:t>
+              <a:t>2023/5/6</a:t>
             </a:fld>
             <a:endParaRPr lang="zh-TW" altLang="en-US"/>
           </a:p>
@@ -839,7 +839,7 @@
             <a:fld id="{5EB9643F-852B-4059-9F2F-1212C809C47E}" type="datetimeFigureOut">
               <a:rPr lang="zh-TW" altLang="en-US" smtClean="0"/>
               <a:pPr/>
-              <a:t>2020/10/16</a:t>
+              <a:t>2023/5/6</a:t>
             </a:fld>
             <a:endParaRPr lang="zh-TW" altLang="en-US"/>
           </a:p>
@@ -1087,7 +1087,7 @@
             <a:fld id="{5EB9643F-852B-4059-9F2F-1212C809C47E}" type="datetimeFigureOut">
               <a:rPr lang="zh-TW" altLang="en-US" smtClean="0"/>
               <a:pPr/>
-              <a:t>2020/10/16</a:t>
+              <a:t>2023/5/6</a:t>
             </a:fld>
             <a:endParaRPr lang="zh-TW" altLang="en-US"/>
           </a:p>
@@ -1377,7 +1377,7 @@
             <a:fld id="{5EB9643F-852B-4059-9F2F-1212C809C47E}" type="datetimeFigureOut">
               <a:rPr lang="zh-TW" altLang="en-US" smtClean="0"/>
               <a:pPr/>
-              <a:t>2020/10/16</a:t>
+              <a:t>2023/5/6</a:t>
             </a:fld>
             <a:endParaRPr lang="zh-TW" altLang="en-US"/>
           </a:p>
@@ -1801,7 +1801,7 @@
             <a:fld id="{5EB9643F-852B-4059-9F2F-1212C809C47E}" type="datetimeFigureOut">
               <a:rPr lang="zh-TW" altLang="en-US" smtClean="0"/>
               <a:pPr/>
-              <a:t>2020/10/16</a:t>
+              <a:t>2023/5/6</a:t>
             </a:fld>
             <a:endParaRPr lang="zh-TW" altLang="en-US"/>
           </a:p>
@@ -1921,7 +1921,7 @@
             <a:fld id="{5EB9643F-852B-4059-9F2F-1212C809C47E}" type="datetimeFigureOut">
               <a:rPr lang="zh-TW" altLang="en-US" smtClean="0"/>
               <a:pPr/>
-              <a:t>2020/10/16</a:t>
+              <a:t>2023/5/6</a:t>
             </a:fld>
             <a:endParaRPr lang="zh-TW" altLang="en-US"/>
           </a:p>
@@ -2018,7 +2018,7 @@
             <a:fld id="{5EB9643F-852B-4059-9F2F-1212C809C47E}" type="datetimeFigureOut">
               <a:rPr lang="zh-TW" altLang="en-US" smtClean="0"/>
               <a:pPr/>
-              <a:t>2020/10/16</a:t>
+              <a:t>2023/5/6</a:t>
             </a:fld>
             <a:endParaRPr lang="zh-TW" altLang="en-US"/>
           </a:p>
@@ -2297,7 +2297,7 @@
             <a:fld id="{5EB9643F-852B-4059-9F2F-1212C809C47E}" type="datetimeFigureOut">
               <a:rPr lang="zh-TW" altLang="en-US" smtClean="0"/>
               <a:pPr/>
-              <a:t>2020/10/16</a:t>
+              <a:t>2023/5/6</a:t>
             </a:fld>
             <a:endParaRPr lang="zh-TW" altLang="en-US"/>
           </a:p>
@@ -2556,7 +2556,7 @@
             <a:fld id="{5EB9643F-852B-4059-9F2F-1212C809C47E}" type="datetimeFigureOut">
               <a:rPr lang="zh-TW" altLang="en-US" smtClean="0"/>
               <a:pPr/>
-              <a:t>2020/10/16</a:t>
+              <a:t>2023/5/6</a:t>
             </a:fld>
             <a:endParaRPr lang="zh-TW" altLang="en-US"/>
           </a:p>
@@ -2776,7 +2776,7 @@
             <a:fld id="{5EB9643F-852B-4059-9F2F-1212C809C47E}" type="datetimeFigureOut">
               <a:rPr lang="zh-TW" altLang="en-US" smtClean="0"/>
               <a:pPr/>
-              <a:t>2020/10/16</a:t>
+              <a:t>2023/5/6</a:t>
             </a:fld>
             <a:endParaRPr lang="zh-TW" altLang="en-US"/>
           </a:p>
@@ -3175,7 +3175,7 @@
           <a:lstStyle/>
           <a:p>
             <a:r>
-              <a:rPr lang="zh-TW" altLang="en-US" sz="7200" b="1" i="1" dirty="0">
+              <a:rPr lang="zh-TW" altLang="en-US" sz="7200" b="1" i="1" dirty="0" smtClean="0">
                 <a:solidFill>
                   <a:srgbClr val="660033"/>
                 </a:solidFill>
@@ -3206,10 +3206,10 @@
                 <a:latin typeface="微軟正黑體" pitchFamily="34" charset="-120"/>
                 <a:ea typeface="微軟正黑體" pitchFamily="34" charset="-120"/>
               </a:rPr>
-              <a:t>袮</a:t>
-            </a:r>
-            <a:r>
-              <a:rPr lang="zh-TW" altLang="en-US" sz="7200" b="1" i="1" dirty="0">
+              <a:t>祢</a:t>
+            </a:r>
+            <a:r>
+              <a:rPr lang="zh-TW" altLang="en-US" sz="7200" b="1" i="1" dirty="0" smtClean="0">
                 <a:solidFill>
                   <a:srgbClr val="660033"/>
                 </a:solidFill>
@@ -3223,7 +3223,24 @@
                 <a:latin typeface="微軟正黑體" pitchFamily="34" charset="-120"/>
                 <a:ea typeface="微軟正黑體" pitchFamily="34" charset="-120"/>
               </a:rPr>
-              <a:t>寶座前</a:t>
+              <a:t>寶</a:t>
+            </a:r>
+            <a:r>
+              <a:rPr lang="zh-TW" altLang="en-US" sz="7200" b="1" i="1" dirty="0">
+                <a:solidFill>
+                  <a:srgbClr val="660033"/>
+                </a:solidFill>
+                <a:effectLst>
+                  <a:outerShdw blurRad="38100" dist="38100" dir="2700000" algn="tl">
+                    <a:srgbClr val="000000">
+                      <a:alpha val="43137"/>
+                    </a:srgbClr>
+                  </a:outerShdw>
+                </a:effectLst>
+                <a:latin typeface="微軟正黑體" pitchFamily="34" charset="-120"/>
+                <a:ea typeface="微軟正黑體" pitchFamily="34" charset="-120"/>
+              </a:rPr>
+              <a:t>座前</a:t>
             </a:r>
           </a:p>
         </p:txBody>
@@ -3284,7 +3301,7 @@
               <a:buNone/>
             </a:pPr>
             <a:r>
-              <a:rPr lang="zh-TW" altLang="en-US" sz="6400" b="1" dirty="0">
+              <a:rPr lang="zh-TW" altLang="en-US" sz="6400" b="1" dirty="0" smtClean="0">
                 <a:solidFill>
                   <a:srgbClr val="660033"/>
                 </a:solidFill>
@@ -3301,17 +3318,27 @@
                 <a:latin typeface="微軟正黑體" pitchFamily="34" charset="-120"/>
                 <a:ea typeface="微軟正黑體" pitchFamily="34" charset="-120"/>
               </a:rPr>
-              <a:t>袮</a:t>
-            </a:r>
-            <a:r>
-              <a:rPr lang="zh-TW" altLang="en-US" sz="6400" b="1" dirty="0">
+              <a:t>祢</a:t>
+            </a:r>
+            <a:r>
+              <a:rPr lang="zh-TW" altLang="en-US" sz="6400" b="1" dirty="0" smtClean="0">
                 <a:solidFill>
                   <a:srgbClr val="660033"/>
                 </a:solidFill>
                 <a:latin typeface="微軟正黑體" pitchFamily="34" charset="-120"/>
                 <a:ea typeface="微軟正黑體" pitchFamily="34" charset="-120"/>
               </a:rPr>
-              <a:t>寶座前  </a:t>
+              <a:t>寶</a:t>
+            </a:r>
+            <a:r>
+              <a:rPr lang="zh-TW" altLang="en-US" sz="6400" b="1" dirty="0">
+                <a:solidFill>
+                  <a:srgbClr val="660033"/>
+                </a:solidFill>
+                <a:latin typeface="微軟正黑體" pitchFamily="34" charset="-120"/>
+                <a:ea typeface="微軟正黑體" pitchFamily="34" charset="-120"/>
+              </a:rPr>
+              <a:t>座前  </a:t>
             </a:r>
             <a:endParaRPr lang="en-US" altLang="zh-TW" sz="6400" b="1" dirty="0">
               <a:solidFill>
@@ -3341,6 +3368,68 @@
               </a:solidFill>
               <a:latin typeface="微軟正黑體" pitchFamily="34" charset="-120"/>
               <a:ea typeface="微軟正黑體" pitchFamily="34" charset="-120"/>
+            </a:endParaRPr>
+          </a:p>
+        </p:txBody>
+      </p:sp>
+      <p:sp>
+        <p:nvSpPr>
+          <p:cNvPr id="3" name="TextBox 2"/>
+          <p:cNvSpPr txBox="1"/>
+          <p:nvPr/>
+        </p:nvSpPr>
+        <p:spPr>
+          <a:xfrm>
+            <a:off x="0" y="5229200"/>
+            <a:ext cx="12192000" cy="646331"/>
+          </a:xfrm>
+          <a:prstGeom prst="rect">
+            <a:avLst/>
+          </a:prstGeom>
+          <a:noFill/>
+        </p:spPr>
+        <p:txBody>
+          <a:bodyPr wrap="square" rtlCol="0">
+            <a:spAutoFit/>
+          </a:bodyPr>
+          <a:lstStyle/>
+          <a:p>
+            <a:pPr algn="ctr"/>
+            <a:r>
+              <a:rPr lang="en-US" sz="3600" b="1" dirty="0" smtClean="0">
+                <a:solidFill>
+                  <a:srgbClr val="660033"/>
+                </a:solidFill>
+                <a:latin typeface="Microsoft JhengHei" panose="020B0604030504040204" pitchFamily="34" charset="-120"/>
+                <a:ea typeface="Microsoft JhengHei" panose="020B0604030504040204" pitchFamily="34" charset="-120"/>
+              </a:rPr>
+              <a:t>( </a:t>
+            </a:r>
+            <a:r>
+              <a:rPr lang="zh-CN" altLang="en-US" sz="3600" b="1" dirty="0" smtClean="0">
+                <a:solidFill>
+                  <a:srgbClr val="660033"/>
+                </a:solidFill>
+                <a:latin typeface="Microsoft JhengHei" panose="020B0604030504040204" pitchFamily="34" charset="-120"/>
+                <a:ea typeface="Microsoft JhengHei" panose="020B0604030504040204" pitchFamily="34" charset="-120"/>
+              </a:rPr>
+              <a:t>正</a:t>
+            </a:r>
+            <a:r>
+              <a:rPr lang="en-US" sz="3600" b="1" dirty="0" smtClean="0">
+                <a:solidFill>
+                  <a:srgbClr val="660033"/>
+                </a:solidFill>
+                <a:latin typeface="Microsoft JhengHei" panose="020B0604030504040204" pitchFamily="34" charset="-120"/>
+                <a:ea typeface="Microsoft JhengHei" panose="020B0604030504040204" pitchFamily="34" charset="-120"/>
+              </a:rPr>
+              <a:t> )</a:t>
+            </a:r>
+            <a:endParaRPr lang="vi-VN" sz="3600" b="1" dirty="0">
+              <a:solidFill>
+                <a:srgbClr val="660033"/>
+              </a:solidFill>
+              <a:ea typeface="Microsoft JhengHei" panose="020B0604030504040204" pitchFamily="34" charset="-120"/>
             </a:endParaRPr>
           </a:p>
         </p:txBody>
@@ -3432,12 +3521,67 @@
               </a:rPr>
               <a:t>願救恩歸於寶座上的神</a:t>
             </a:r>
-            <a:endParaRPr lang="zh-TW" altLang="en-US" sz="6400" b="1" dirty="0">
+          </a:p>
+        </p:txBody>
+      </p:sp>
+      <p:sp>
+        <p:nvSpPr>
+          <p:cNvPr id="3" name="TextBox 2"/>
+          <p:cNvSpPr txBox="1"/>
+          <p:nvPr/>
+        </p:nvSpPr>
+        <p:spPr>
+          <a:xfrm>
+            <a:off x="0" y="5229200"/>
+            <a:ext cx="12192000" cy="646331"/>
+          </a:xfrm>
+          <a:prstGeom prst="rect">
+            <a:avLst/>
+          </a:prstGeom>
+          <a:noFill/>
+        </p:spPr>
+        <p:txBody>
+          <a:bodyPr wrap="square" rtlCol="0">
+            <a:spAutoFit/>
+          </a:bodyPr>
+          <a:lstStyle/>
+          <a:p>
+            <a:pPr algn="ctr"/>
+            <a:r>
+              <a:rPr lang="en-US" sz="3600" b="1" dirty="0" smtClean="0">
+                <a:solidFill>
+                  <a:srgbClr val="660033"/>
+                </a:solidFill>
+                <a:latin typeface="Microsoft JhengHei" panose="020B0604030504040204" pitchFamily="34" charset="-120"/>
+                <a:ea typeface="Microsoft JhengHei" panose="020B0604030504040204" pitchFamily="34" charset="-120"/>
+              </a:rPr>
+              <a:t>( </a:t>
+            </a:r>
+            <a:r>
+              <a:rPr lang="zh-CN" altLang="en-US" sz="3600" b="1" dirty="0" smtClean="0">
+                <a:solidFill>
+                  <a:srgbClr val="660033"/>
+                </a:solidFill>
+                <a:latin typeface="Microsoft JhengHei" panose="020B0604030504040204" pitchFamily="34" charset="-120"/>
+                <a:ea typeface="Microsoft JhengHei" panose="020B0604030504040204" pitchFamily="34" charset="-120"/>
+              </a:rPr>
+              <a:t>正</a:t>
+            </a:r>
+            <a:r>
+              <a:rPr lang="en-US" sz="3600" b="1" dirty="0" smtClean="0">
+                <a:solidFill>
+                  <a:srgbClr val="660033"/>
+                </a:solidFill>
+                <a:latin typeface="Microsoft JhengHei" panose="020B0604030504040204" pitchFamily="34" charset="-120"/>
+                <a:ea typeface="Microsoft JhengHei" panose="020B0604030504040204" pitchFamily="34" charset="-120"/>
+              </a:rPr>
+              <a:t> )</a:t>
+            </a:r>
+            <a:endParaRPr lang="vi-VN" sz="3600" b="1" dirty="0">
               <a:solidFill>
                 <a:srgbClr val="660033"/>
               </a:solidFill>
-              <a:latin typeface="微軟正黑體" pitchFamily="34" charset="-120"/>
-              <a:ea typeface="微軟正黑體" pitchFamily="34" charset="-120"/>
+              <a:ea typeface="Microsoft JhengHei" panose="020B0604030504040204" pitchFamily="34" charset="-120"/>
             </a:endParaRPr>
           </a:p>
         </p:txBody>
@@ -3498,7 +3642,7 @@
               <a:buNone/>
             </a:pPr>
             <a:r>
-              <a:rPr lang="zh-TW" altLang="en-US" sz="6400" b="1" dirty="0">
+              <a:rPr lang="zh-TW" altLang="en-US" sz="6400" b="1" dirty="0" smtClean="0">
                 <a:solidFill>
                   <a:srgbClr val="660033"/>
                 </a:solidFill>
@@ -3515,17 +3659,27 @@
                 <a:latin typeface="微軟正黑體" pitchFamily="34" charset="-120"/>
                 <a:ea typeface="微軟正黑體" pitchFamily="34" charset="-120"/>
               </a:rPr>
-              <a:t>袮</a:t>
-            </a:r>
-            <a:r>
-              <a:rPr lang="zh-TW" altLang="en-US" sz="6400" b="1" dirty="0">
+              <a:t>祢</a:t>
+            </a:r>
+            <a:r>
+              <a:rPr lang="zh-TW" altLang="en-US" sz="6400" b="1" dirty="0" smtClean="0">
                 <a:solidFill>
                   <a:srgbClr val="660033"/>
                 </a:solidFill>
                 <a:latin typeface="微軟正黑體" pitchFamily="34" charset="-120"/>
                 <a:ea typeface="微軟正黑體" pitchFamily="34" charset="-120"/>
               </a:rPr>
-              <a:t>寶座前</a:t>
+              <a:t>寶</a:t>
+            </a:r>
+            <a:r>
+              <a:rPr lang="zh-TW" altLang="en-US" sz="6400" b="1" dirty="0">
+                <a:solidFill>
+                  <a:srgbClr val="660033"/>
+                </a:solidFill>
+                <a:latin typeface="微軟正黑體" pitchFamily="34" charset="-120"/>
+                <a:ea typeface="微軟正黑體" pitchFamily="34" charset="-120"/>
+              </a:rPr>
+              <a:t>座前</a:t>
             </a:r>
             <a:r>
               <a:rPr lang="en-US" altLang="zh-TW" sz="6400" b="1" dirty="0">
@@ -3558,6 +3712,68 @@
               </a:solidFill>
               <a:latin typeface="微軟正黑體" pitchFamily="34" charset="-120"/>
               <a:ea typeface="微軟正黑體" pitchFamily="34" charset="-120"/>
+            </a:endParaRPr>
+          </a:p>
+        </p:txBody>
+      </p:sp>
+      <p:sp>
+        <p:nvSpPr>
+          <p:cNvPr id="3" name="TextBox 2"/>
+          <p:cNvSpPr txBox="1"/>
+          <p:nvPr/>
+        </p:nvSpPr>
+        <p:spPr>
+          <a:xfrm>
+            <a:off x="0" y="5229200"/>
+            <a:ext cx="12192000" cy="646331"/>
+          </a:xfrm>
+          <a:prstGeom prst="rect">
+            <a:avLst/>
+          </a:prstGeom>
+          <a:noFill/>
+        </p:spPr>
+        <p:txBody>
+          <a:bodyPr wrap="square" rtlCol="0">
+            <a:spAutoFit/>
+          </a:bodyPr>
+          <a:lstStyle/>
+          <a:p>
+            <a:pPr algn="ctr"/>
+            <a:r>
+              <a:rPr lang="en-US" sz="3600" b="1" dirty="0" smtClean="0">
+                <a:solidFill>
+                  <a:srgbClr val="660033"/>
+                </a:solidFill>
+                <a:latin typeface="Microsoft JhengHei" panose="020B0604030504040204" pitchFamily="34" charset="-120"/>
+                <a:ea typeface="Microsoft JhengHei" panose="020B0604030504040204" pitchFamily="34" charset="-120"/>
+              </a:rPr>
+              <a:t>( </a:t>
+            </a:r>
+            <a:r>
+              <a:rPr lang="zh-CN" altLang="en-US" sz="3600" b="1" dirty="0" smtClean="0">
+                <a:solidFill>
+                  <a:srgbClr val="660033"/>
+                </a:solidFill>
+                <a:latin typeface="Microsoft JhengHei" panose="020B0604030504040204" pitchFamily="34" charset="-120"/>
+                <a:ea typeface="Microsoft JhengHei" panose="020B0604030504040204" pitchFamily="34" charset="-120"/>
+              </a:rPr>
+              <a:t>正</a:t>
+            </a:r>
+            <a:r>
+              <a:rPr lang="en-US" sz="3600" b="1" dirty="0" smtClean="0">
+                <a:solidFill>
+                  <a:srgbClr val="660033"/>
+                </a:solidFill>
+                <a:latin typeface="Microsoft JhengHei" panose="020B0604030504040204" pitchFamily="34" charset="-120"/>
+                <a:ea typeface="Microsoft JhengHei" panose="020B0604030504040204" pitchFamily="34" charset="-120"/>
+              </a:rPr>
+              <a:t> )</a:t>
+            </a:r>
+            <a:endParaRPr lang="vi-VN" sz="3600" b="1" dirty="0">
+              <a:solidFill>
+                <a:srgbClr val="660033"/>
+              </a:solidFill>
+              <a:ea typeface="Microsoft JhengHei" panose="020B0604030504040204" pitchFamily="34" charset="-120"/>
             </a:endParaRPr>
           </a:p>
         </p:txBody>
@@ -3649,12 +3865,67 @@
               </a:rPr>
               <a:t>願救恩歸於寶座上的神</a:t>
             </a:r>
-            <a:endParaRPr lang="zh-TW" altLang="en-US" sz="6400" b="1" dirty="0">
+          </a:p>
+        </p:txBody>
+      </p:sp>
+      <p:sp>
+        <p:nvSpPr>
+          <p:cNvPr id="3" name="TextBox 2"/>
+          <p:cNvSpPr txBox="1"/>
+          <p:nvPr/>
+        </p:nvSpPr>
+        <p:spPr>
+          <a:xfrm>
+            <a:off x="0" y="5229200"/>
+            <a:ext cx="12192000" cy="646331"/>
+          </a:xfrm>
+          <a:prstGeom prst="rect">
+            <a:avLst/>
+          </a:prstGeom>
+          <a:noFill/>
+        </p:spPr>
+        <p:txBody>
+          <a:bodyPr wrap="square" rtlCol="0">
+            <a:spAutoFit/>
+          </a:bodyPr>
+          <a:lstStyle/>
+          <a:p>
+            <a:pPr algn="ctr"/>
+            <a:r>
+              <a:rPr lang="en-US" sz="3600" b="1" dirty="0" smtClean="0">
+                <a:solidFill>
+                  <a:srgbClr val="660033"/>
+                </a:solidFill>
+                <a:latin typeface="Microsoft JhengHei" panose="020B0604030504040204" pitchFamily="34" charset="-120"/>
+                <a:ea typeface="Microsoft JhengHei" panose="020B0604030504040204" pitchFamily="34" charset="-120"/>
+              </a:rPr>
+              <a:t>( </a:t>
+            </a:r>
+            <a:r>
+              <a:rPr lang="zh-CN" altLang="en-US" sz="3600" b="1" dirty="0" smtClean="0">
+                <a:solidFill>
+                  <a:srgbClr val="660033"/>
+                </a:solidFill>
+                <a:latin typeface="Microsoft JhengHei" panose="020B0604030504040204" pitchFamily="34" charset="-120"/>
+                <a:ea typeface="Microsoft JhengHei" panose="020B0604030504040204" pitchFamily="34" charset="-120"/>
+              </a:rPr>
+              <a:t>正</a:t>
+            </a:r>
+            <a:r>
+              <a:rPr lang="en-US" sz="3600" b="1" dirty="0" smtClean="0">
+                <a:solidFill>
+                  <a:srgbClr val="660033"/>
+                </a:solidFill>
+                <a:latin typeface="Microsoft JhengHei" panose="020B0604030504040204" pitchFamily="34" charset="-120"/>
+                <a:ea typeface="Microsoft JhengHei" panose="020B0604030504040204" pitchFamily="34" charset="-120"/>
+              </a:rPr>
+              <a:t> )</a:t>
+            </a:r>
+            <a:endParaRPr lang="vi-VN" sz="3600" b="1" dirty="0">
               <a:solidFill>
                 <a:srgbClr val="660033"/>
               </a:solidFill>
-              <a:latin typeface="微軟正黑體" pitchFamily="34" charset="-120"/>
-              <a:ea typeface="微軟正黑體" pitchFamily="34" charset="-120"/>
+              <a:ea typeface="Microsoft JhengHei" panose="020B0604030504040204" pitchFamily="34" charset="-120"/>
             </a:endParaRPr>
           </a:p>
         </p:txBody>
@@ -3756,6 +4027,78 @@
           </a:p>
         </p:txBody>
       </p:sp>
+      <p:sp>
+        <p:nvSpPr>
+          <p:cNvPr id="3" name="TextBox 2"/>
+          <p:cNvSpPr txBox="1"/>
+          <p:nvPr/>
+        </p:nvSpPr>
+        <p:spPr>
+          <a:xfrm>
+            <a:off x="0" y="5229200"/>
+            <a:ext cx="12192000" cy="646331"/>
+          </a:xfrm>
+          <a:prstGeom prst="rect">
+            <a:avLst/>
+          </a:prstGeom>
+          <a:noFill/>
+        </p:spPr>
+        <p:txBody>
+          <a:bodyPr wrap="square" rtlCol="0">
+            <a:spAutoFit/>
+          </a:bodyPr>
+          <a:lstStyle/>
+          <a:p>
+            <a:pPr algn="ctr"/>
+            <a:r>
+              <a:rPr lang="en-US" sz="3600" b="1" dirty="0" smtClean="0">
+                <a:solidFill>
+                  <a:srgbClr val="660033"/>
+                </a:solidFill>
+                <a:latin typeface="Microsoft JhengHei" panose="020B0604030504040204" pitchFamily="34" charset="-120"/>
+                <a:ea typeface="Microsoft JhengHei" panose="020B0604030504040204" pitchFamily="34" charset="-120"/>
+              </a:rPr>
+              <a:t>( </a:t>
+            </a:r>
+            <a:r>
+              <a:rPr lang="zh-CN" altLang="en-US" sz="3600" b="1" dirty="0" smtClean="0">
+                <a:solidFill>
+                  <a:srgbClr val="660033"/>
+                </a:solidFill>
+                <a:latin typeface="Microsoft JhengHei" panose="020B0604030504040204" pitchFamily="34" charset="-120"/>
+                <a:ea typeface="Microsoft JhengHei" panose="020B0604030504040204" pitchFamily="34" charset="-120"/>
+              </a:rPr>
+              <a:t>副</a:t>
+            </a:r>
+            <a:r>
+              <a:rPr lang="en-US" sz="3600" b="1" dirty="0" smtClean="0">
+                <a:solidFill>
+                  <a:srgbClr val="660033"/>
+                </a:solidFill>
+                <a:latin typeface="Microsoft JhengHei" panose="020B0604030504040204" pitchFamily="34" charset="-120"/>
+                <a:ea typeface="Microsoft JhengHei" panose="020B0604030504040204" pitchFamily="34" charset="-120"/>
+              </a:rPr>
+              <a:t> </a:t>
+            </a:r>
+            <a:r>
+              <a:rPr lang="en-US" sz="3600" b="1" dirty="0" smtClean="0">
+                <a:solidFill>
+                  <a:srgbClr val="660033"/>
+                </a:solidFill>
+                <a:latin typeface="Microsoft JhengHei" panose="020B0604030504040204" pitchFamily="34" charset="-120"/>
+                <a:ea typeface="Microsoft JhengHei" panose="020B0604030504040204" pitchFamily="34" charset="-120"/>
+              </a:rPr>
+              <a:t>)</a:t>
+            </a:r>
+            <a:endParaRPr lang="vi-VN" sz="3600" b="1" dirty="0">
+              <a:solidFill>
+                <a:srgbClr val="660033"/>
+              </a:solidFill>
+              <a:ea typeface="Microsoft JhengHei" panose="020B0604030504040204" pitchFamily="34" charset="-120"/>
+            </a:endParaRPr>
+          </a:p>
+        </p:txBody>
+      </p:sp>
     </p:spTree>
     <p:extLst>
       <p:ext uri="{BB962C8B-B14F-4D97-AF65-F5344CB8AC3E}">
@@ -3821,12 +4164,77 @@
               </a:rPr>
               <a:t>救恩榮耀都歸於我們的神</a:t>
             </a:r>
-            <a:endParaRPr lang="zh-TW" altLang="en-US" sz="6400" b="1" dirty="0">
+          </a:p>
+        </p:txBody>
+      </p:sp>
+      <p:sp>
+        <p:nvSpPr>
+          <p:cNvPr id="3" name="TextBox 2"/>
+          <p:cNvSpPr txBox="1"/>
+          <p:nvPr/>
+        </p:nvSpPr>
+        <p:spPr>
+          <a:xfrm>
+            <a:off x="0" y="5229200"/>
+            <a:ext cx="12192000" cy="646331"/>
+          </a:xfrm>
+          <a:prstGeom prst="rect">
+            <a:avLst/>
+          </a:prstGeom>
+          <a:noFill/>
+        </p:spPr>
+        <p:txBody>
+          <a:bodyPr wrap="square" rtlCol="0">
+            <a:spAutoFit/>
+          </a:bodyPr>
+          <a:lstStyle/>
+          <a:p>
+            <a:pPr algn="ctr"/>
+            <a:r>
+              <a:rPr lang="en-US" sz="3600" b="1" dirty="0" smtClean="0">
+                <a:solidFill>
+                  <a:srgbClr val="660033"/>
+                </a:solidFill>
+                <a:latin typeface="Microsoft JhengHei" panose="020B0604030504040204" pitchFamily="34" charset="-120"/>
+                <a:ea typeface="Microsoft JhengHei" panose="020B0604030504040204" pitchFamily="34" charset="-120"/>
+              </a:rPr>
+              <a:t>( </a:t>
+            </a:r>
+            <a:r>
+              <a:rPr lang="zh-CN" altLang="en-US" sz="3600" b="1" dirty="0" smtClean="0">
+                <a:solidFill>
+                  <a:srgbClr val="660033"/>
+                </a:solidFill>
+                <a:latin typeface="Microsoft JhengHei" panose="020B0604030504040204" pitchFamily="34" charset="-120"/>
+                <a:ea typeface="Microsoft JhengHei" panose="020B0604030504040204" pitchFamily="34" charset="-120"/>
+              </a:rPr>
+              <a:t>副</a:t>
+            </a:r>
+            <a:r>
+              <a:rPr lang="en-US" sz="3600" b="1" dirty="0" smtClean="0">
+                <a:solidFill>
+                  <a:srgbClr val="660033"/>
+                </a:solidFill>
+                <a:latin typeface="Microsoft JhengHei" panose="020B0604030504040204" pitchFamily="34" charset="-120"/>
+                <a:ea typeface="Microsoft JhengHei" panose="020B0604030504040204" pitchFamily="34" charset="-120"/>
+              </a:rPr>
+              <a:t> </a:t>
+            </a:r>
+            <a:r>
+              <a:rPr lang="en-US" sz="3600" b="1" dirty="0" smtClean="0">
+                <a:solidFill>
+                  <a:srgbClr val="660033"/>
+                </a:solidFill>
+                <a:latin typeface="Microsoft JhengHei" panose="020B0604030504040204" pitchFamily="34" charset="-120"/>
+                <a:ea typeface="Microsoft JhengHei" panose="020B0604030504040204" pitchFamily="34" charset="-120"/>
+              </a:rPr>
+              <a:t>)</a:t>
+            </a:r>
+            <a:endParaRPr lang="vi-VN" sz="3600" b="1" dirty="0">
               <a:solidFill>
                 <a:srgbClr val="660033"/>
               </a:solidFill>
-              <a:latin typeface="微軟正黑體" pitchFamily="34" charset="-120"/>
-              <a:ea typeface="微軟正黑體" pitchFamily="34" charset="-120"/>
+              <a:ea typeface="Microsoft JhengHei" panose="020B0604030504040204" pitchFamily="34" charset="-120"/>
             </a:endParaRPr>
           </a:p>
         </p:txBody>
@@ -3928,6 +4336,78 @@
           </a:p>
         </p:txBody>
       </p:sp>
+      <p:sp>
+        <p:nvSpPr>
+          <p:cNvPr id="3" name="TextBox 2"/>
+          <p:cNvSpPr txBox="1"/>
+          <p:nvPr/>
+        </p:nvSpPr>
+        <p:spPr>
+          <a:xfrm>
+            <a:off x="0" y="5229200"/>
+            <a:ext cx="12192000" cy="646331"/>
+          </a:xfrm>
+          <a:prstGeom prst="rect">
+            <a:avLst/>
+          </a:prstGeom>
+          <a:noFill/>
+        </p:spPr>
+        <p:txBody>
+          <a:bodyPr wrap="square" rtlCol="0">
+            <a:spAutoFit/>
+          </a:bodyPr>
+          <a:lstStyle/>
+          <a:p>
+            <a:pPr algn="ctr"/>
+            <a:r>
+              <a:rPr lang="en-US" sz="3600" b="1" dirty="0" smtClean="0">
+                <a:solidFill>
+                  <a:srgbClr val="660033"/>
+                </a:solidFill>
+                <a:latin typeface="Microsoft JhengHei" panose="020B0604030504040204" pitchFamily="34" charset="-120"/>
+                <a:ea typeface="Microsoft JhengHei" panose="020B0604030504040204" pitchFamily="34" charset="-120"/>
+              </a:rPr>
+              <a:t>( </a:t>
+            </a:r>
+            <a:r>
+              <a:rPr lang="zh-CN" altLang="en-US" sz="3600" b="1" dirty="0" smtClean="0">
+                <a:solidFill>
+                  <a:srgbClr val="660033"/>
+                </a:solidFill>
+                <a:latin typeface="Microsoft JhengHei" panose="020B0604030504040204" pitchFamily="34" charset="-120"/>
+                <a:ea typeface="Microsoft JhengHei" panose="020B0604030504040204" pitchFamily="34" charset="-120"/>
+              </a:rPr>
+              <a:t>副</a:t>
+            </a:r>
+            <a:r>
+              <a:rPr lang="en-US" sz="3600" b="1" dirty="0" smtClean="0">
+                <a:solidFill>
+                  <a:srgbClr val="660033"/>
+                </a:solidFill>
+                <a:latin typeface="Microsoft JhengHei" panose="020B0604030504040204" pitchFamily="34" charset="-120"/>
+                <a:ea typeface="Microsoft JhengHei" panose="020B0604030504040204" pitchFamily="34" charset="-120"/>
+              </a:rPr>
+              <a:t> </a:t>
+            </a:r>
+            <a:r>
+              <a:rPr lang="en-US" sz="3600" b="1" dirty="0" smtClean="0">
+                <a:solidFill>
+                  <a:srgbClr val="660033"/>
+                </a:solidFill>
+                <a:latin typeface="Microsoft JhengHei" panose="020B0604030504040204" pitchFamily="34" charset="-120"/>
+                <a:ea typeface="Microsoft JhengHei" panose="020B0604030504040204" pitchFamily="34" charset="-120"/>
+              </a:rPr>
+              <a:t>)</a:t>
+            </a:r>
+            <a:endParaRPr lang="vi-VN" sz="3600" b="1" dirty="0">
+              <a:solidFill>
+                <a:srgbClr val="660033"/>
+              </a:solidFill>
+              <a:ea typeface="Microsoft JhengHei" panose="020B0604030504040204" pitchFamily="34" charset="-120"/>
+            </a:endParaRPr>
+          </a:p>
+        </p:txBody>
+      </p:sp>
     </p:spTree>
     <p:extLst>
       <p:ext uri="{BB962C8B-B14F-4D97-AF65-F5344CB8AC3E}">
@@ -4015,12 +4495,77 @@
               </a:rPr>
               <a:t>直到永永遠遠</a:t>
             </a:r>
-            <a:endParaRPr lang="zh-TW" altLang="en-US" sz="6400" b="1" dirty="0">
+          </a:p>
+        </p:txBody>
+      </p:sp>
+      <p:sp>
+        <p:nvSpPr>
+          <p:cNvPr id="3" name="TextBox 2"/>
+          <p:cNvSpPr txBox="1"/>
+          <p:nvPr/>
+        </p:nvSpPr>
+        <p:spPr>
+          <a:xfrm>
+            <a:off x="0" y="5229200"/>
+            <a:ext cx="12192000" cy="646331"/>
+          </a:xfrm>
+          <a:prstGeom prst="rect">
+            <a:avLst/>
+          </a:prstGeom>
+          <a:noFill/>
+        </p:spPr>
+        <p:txBody>
+          <a:bodyPr wrap="square" rtlCol="0">
+            <a:spAutoFit/>
+          </a:bodyPr>
+          <a:lstStyle/>
+          <a:p>
+            <a:pPr algn="ctr"/>
+            <a:r>
+              <a:rPr lang="en-US" sz="3600" b="1" dirty="0" smtClean="0">
+                <a:solidFill>
+                  <a:srgbClr val="660033"/>
+                </a:solidFill>
+                <a:latin typeface="Microsoft JhengHei" panose="020B0604030504040204" pitchFamily="34" charset="-120"/>
+                <a:ea typeface="Microsoft JhengHei" panose="020B0604030504040204" pitchFamily="34" charset="-120"/>
+              </a:rPr>
+              <a:t>( </a:t>
+            </a:r>
+            <a:r>
+              <a:rPr lang="zh-CN" altLang="en-US" sz="3600" b="1" dirty="0" smtClean="0">
+                <a:solidFill>
+                  <a:srgbClr val="660033"/>
+                </a:solidFill>
+                <a:latin typeface="Microsoft JhengHei" panose="020B0604030504040204" pitchFamily="34" charset="-120"/>
+                <a:ea typeface="Microsoft JhengHei" panose="020B0604030504040204" pitchFamily="34" charset="-120"/>
+              </a:rPr>
+              <a:t>副</a:t>
+            </a:r>
+            <a:r>
+              <a:rPr lang="en-US" sz="3600" b="1" dirty="0" smtClean="0">
+                <a:solidFill>
+                  <a:srgbClr val="660033"/>
+                </a:solidFill>
+                <a:latin typeface="Microsoft JhengHei" panose="020B0604030504040204" pitchFamily="34" charset="-120"/>
+                <a:ea typeface="Microsoft JhengHei" panose="020B0604030504040204" pitchFamily="34" charset="-120"/>
+              </a:rPr>
+              <a:t> </a:t>
+            </a:r>
+            <a:r>
+              <a:rPr lang="en-US" sz="3600" b="1" dirty="0" smtClean="0">
+                <a:solidFill>
+                  <a:srgbClr val="660033"/>
+                </a:solidFill>
+                <a:latin typeface="Microsoft JhengHei" panose="020B0604030504040204" pitchFamily="34" charset="-120"/>
+                <a:ea typeface="Microsoft JhengHei" panose="020B0604030504040204" pitchFamily="34" charset="-120"/>
+              </a:rPr>
+              <a:t>)</a:t>
+            </a:r>
+            <a:endParaRPr lang="vi-VN" sz="3600" b="1" dirty="0">
               <a:solidFill>
                 <a:srgbClr val="660033"/>
               </a:solidFill>
-              <a:latin typeface="微軟正黑體" pitchFamily="34" charset="-120"/>
-              <a:ea typeface="微軟正黑體" pitchFamily="34" charset="-120"/>
+              <a:ea typeface="Microsoft JhengHei" panose="020B0604030504040204" pitchFamily="34" charset="-120"/>
             </a:endParaRPr>
           </a:p>
         </p:txBody>
